--- a/Android10/5_1_2_AOSP_App_Investigations_Contacts.pptx
+++ b/Android10/5_1_2_AOSP_App_Investigations_Contacts.pptx
@@ -5,7 +5,7 @@
     <p:sldMasterId id="2147483648" r:id="rId1"/>
   </p:sldMasterIdLst>
   <p:notesMasterIdLst>
-    <p:notesMasterId r:id="rId36"/>
+    <p:notesMasterId r:id="rId38"/>
   </p:notesMasterIdLst>
   <p:sldIdLst>
     <p:sldId id="256" r:id="rId2"/>
@@ -17,31 +17,33 @@
     <p:sldId id="523" r:id="rId8"/>
     <p:sldId id="461" r:id="rId9"/>
     <p:sldId id="469" r:id="rId10"/>
-    <p:sldId id="544" r:id="rId11"/>
-    <p:sldId id="481" r:id="rId12"/>
-    <p:sldId id="526" r:id="rId13"/>
-    <p:sldId id="527" r:id="rId14"/>
-    <p:sldId id="528" r:id="rId15"/>
-    <p:sldId id="530" r:id="rId16"/>
-    <p:sldId id="529" r:id="rId17"/>
-    <p:sldId id="531" r:id="rId18"/>
-    <p:sldId id="478" r:id="rId19"/>
-    <p:sldId id="525" r:id="rId20"/>
-    <p:sldId id="536" r:id="rId21"/>
-    <p:sldId id="480" r:id="rId22"/>
-    <p:sldId id="511" r:id="rId23"/>
-    <p:sldId id="504" r:id="rId24"/>
-    <p:sldId id="477" r:id="rId25"/>
-    <p:sldId id="390" r:id="rId26"/>
-    <p:sldId id="391" r:id="rId27"/>
-    <p:sldId id="540" r:id="rId28"/>
-    <p:sldId id="485" r:id="rId29"/>
-    <p:sldId id="541" r:id="rId30"/>
-    <p:sldId id="486" r:id="rId31"/>
-    <p:sldId id="537" r:id="rId32"/>
-    <p:sldId id="542" r:id="rId33"/>
-    <p:sldId id="543" r:id="rId34"/>
-    <p:sldId id="538" r:id="rId35"/>
+    <p:sldId id="545" r:id="rId11"/>
+    <p:sldId id="546" r:id="rId12"/>
+    <p:sldId id="544" r:id="rId13"/>
+    <p:sldId id="481" r:id="rId14"/>
+    <p:sldId id="526" r:id="rId15"/>
+    <p:sldId id="527" r:id="rId16"/>
+    <p:sldId id="528" r:id="rId17"/>
+    <p:sldId id="530" r:id="rId18"/>
+    <p:sldId id="529" r:id="rId19"/>
+    <p:sldId id="531" r:id="rId20"/>
+    <p:sldId id="478" r:id="rId21"/>
+    <p:sldId id="525" r:id="rId22"/>
+    <p:sldId id="536" r:id="rId23"/>
+    <p:sldId id="480" r:id="rId24"/>
+    <p:sldId id="511" r:id="rId25"/>
+    <p:sldId id="504" r:id="rId26"/>
+    <p:sldId id="477" r:id="rId27"/>
+    <p:sldId id="390" r:id="rId28"/>
+    <p:sldId id="391" r:id="rId29"/>
+    <p:sldId id="540" r:id="rId30"/>
+    <p:sldId id="485" r:id="rId31"/>
+    <p:sldId id="541" r:id="rId32"/>
+    <p:sldId id="486" r:id="rId33"/>
+    <p:sldId id="537" r:id="rId34"/>
+    <p:sldId id="542" r:id="rId35"/>
+    <p:sldId id="543" r:id="rId36"/>
+    <p:sldId id="538" r:id="rId37"/>
   </p:sldIdLst>
   <p:sldSz cx="12192000" cy="6858000"/>
   <p:notesSz cx="6858000" cy="9144000"/>
@@ -163,7 +165,7 @@
 <file path=ppt/revisionInfo.xml><?xml version="1.0" encoding="utf-8"?>
 <p1510:revInfo xmlns:a="http://schemas.openxmlformats.org/drawingml/2006/main" xmlns:r="http://schemas.openxmlformats.org/officeDocument/2006/relationships" xmlns:p1510="http://schemas.microsoft.com/office/powerpoint/2015/10/main">
   <p1510:revLst>
-    <p1510:client id="{6241A617-B809-41F6-88F4-E387E9626168}" v="64" dt="2024-12-30T22:52:42.197"/>
+    <p1510:client id="{6241A617-B809-41F6-88F4-E387E9626168}" v="72" dt="2025-04-03T02:01:41.680"/>
   </p1510:revLst>
 </p1510:revInfo>
 </file>
@@ -6024,16 +6026,24 @@
   <pc:docChgLst>
     <pc:chgData name="Weifeng Xu" userId="e7aed605-a3dd-4d5a-a692-a87037af107b" providerId="ADAL" clId="{6241A617-B809-41F6-88F4-E387E9626168}"/>
     <pc:docChg chg="undo redo custSel addSld delSld modSld sldOrd">
-      <pc:chgData name="Weifeng Xu" userId="e7aed605-a3dd-4d5a-a692-a87037af107b" providerId="ADAL" clId="{6241A617-B809-41F6-88F4-E387E9626168}" dt="2024-12-30T22:52:58.477" v="4296" actId="1076"/>
+      <pc:chgData name="Weifeng Xu" userId="e7aed605-a3dd-4d5a-a692-a87037af107b" providerId="ADAL" clId="{6241A617-B809-41F6-88F4-E387E9626168}" dt="2025-04-03T02:02:33.631" v="4500" actId="1076"/>
       <pc:docMkLst>
         <pc:docMk/>
       </pc:docMkLst>
       <pc:sldChg chg="addSp delSp modSp mod modNotesTx">
-        <pc:chgData name="Weifeng Xu" userId="e7aed605-a3dd-4d5a-a692-a87037af107b" providerId="ADAL" clId="{6241A617-B809-41F6-88F4-E387E9626168}" dt="2021-08-08T21:30:38.190" v="57" actId="478"/>
+        <pc:chgData name="Weifeng Xu" userId="e7aed605-a3dd-4d5a-a692-a87037af107b" providerId="ADAL" clId="{6241A617-B809-41F6-88F4-E387E9626168}" dt="2025-04-03T01:00:04.867" v="4298" actId="20577"/>
         <pc:sldMkLst>
           <pc:docMk/>
           <pc:sldMk cId="1323245308" sldId="256"/>
         </pc:sldMkLst>
+        <pc:spChg chg="mod">
+          <ac:chgData name="Weifeng Xu" userId="e7aed605-a3dd-4d5a-a692-a87037af107b" providerId="ADAL" clId="{6241A617-B809-41F6-88F4-E387E9626168}" dt="2025-04-03T01:00:04.867" v="4298" actId="20577"/>
+          <ac:spMkLst>
+            <pc:docMk/>
+            <pc:sldMk cId="1323245308" sldId="256"/>
+            <ac:spMk id="2" creationId="{B476BAF9-88AC-4600-B511-347782B9C875}"/>
+          </ac:spMkLst>
+        </pc:spChg>
       </pc:sldChg>
       <pc:sldChg chg="del">
         <pc:chgData name="Weifeng Xu" userId="e7aed605-a3dd-4d5a-a692-a87037af107b" providerId="ADAL" clId="{6241A617-B809-41F6-88F4-E387E9626168}" dt="2021-08-08T21:28:50.805" v="18" actId="47"/>
@@ -6491,11 +6501,59 @@
         </pc:sldMkLst>
       </pc:sldChg>
       <pc:sldChg chg="addSp delSp modSp mod ord modClrScheme chgLayout">
-        <pc:chgData name="Weifeng Xu" userId="e7aed605-a3dd-4d5a-a692-a87037af107b" providerId="ADAL" clId="{6241A617-B809-41F6-88F4-E387E9626168}" dt="2021-08-16T14:27:15.673" v="2077" actId="1076"/>
+        <pc:chgData name="Weifeng Xu" userId="e7aed605-a3dd-4d5a-a692-a87037af107b" providerId="ADAL" clId="{6241A617-B809-41F6-88F4-E387E9626168}" dt="2025-04-03T01:20:21.059" v="4350" actId="207"/>
         <pc:sldMkLst>
           <pc:docMk/>
           <pc:sldMk cId="2241082669" sldId="481"/>
         </pc:sldMkLst>
+        <pc:spChg chg="add mod">
+          <ac:chgData name="Weifeng Xu" userId="e7aed605-a3dd-4d5a-a692-a87037af107b" providerId="ADAL" clId="{6241A617-B809-41F6-88F4-E387E9626168}" dt="2025-04-03T01:20:21.059" v="4350" actId="207"/>
+          <ac:spMkLst>
+            <pc:docMk/>
+            <pc:sldMk cId="2241082669" sldId="481"/>
+            <ac:spMk id="4" creationId="{D89FBA75-6403-E0C1-0457-53D135A23A67}"/>
+          </ac:spMkLst>
+        </pc:spChg>
+        <pc:spChg chg="mod">
+          <ac:chgData name="Weifeng Xu" userId="e7aed605-a3dd-4d5a-a692-a87037af107b" providerId="ADAL" clId="{6241A617-B809-41F6-88F4-E387E9626168}" dt="2025-04-03T01:16:27.477" v="4335" actId="6549"/>
+          <ac:spMkLst>
+            <pc:docMk/>
+            <pc:sldMk cId="2241082669" sldId="481"/>
+            <ac:spMk id="5" creationId="{24B5C728-008D-49EE-994D-39EACA12E87E}"/>
+          </ac:spMkLst>
+        </pc:spChg>
+        <pc:spChg chg="del">
+          <ac:chgData name="Weifeng Xu" userId="e7aed605-a3dd-4d5a-a692-a87037af107b" providerId="ADAL" clId="{6241A617-B809-41F6-88F4-E387E9626168}" dt="2025-04-03T01:15:24.141" v="4299" actId="478"/>
+          <ac:spMkLst>
+            <pc:docMk/>
+            <pc:sldMk cId="2241082669" sldId="481"/>
+            <ac:spMk id="6" creationId="{89E368B2-9FF6-44DC-A45A-5CB111620341}"/>
+          </ac:spMkLst>
+        </pc:spChg>
+        <pc:spChg chg="del">
+          <ac:chgData name="Weifeng Xu" userId="e7aed605-a3dd-4d5a-a692-a87037af107b" providerId="ADAL" clId="{6241A617-B809-41F6-88F4-E387E9626168}" dt="2025-04-03T01:18:29.227" v="4346" actId="478"/>
+          <ac:spMkLst>
+            <pc:docMk/>
+            <pc:sldMk cId="2241082669" sldId="481"/>
+            <ac:spMk id="8" creationId="{A85B5139-848E-4D2C-B2F0-7582F61481AE}"/>
+          </ac:spMkLst>
+        </pc:spChg>
+        <pc:picChg chg="mod">
+          <ac:chgData name="Weifeng Xu" userId="e7aed605-a3dd-4d5a-a692-a87037af107b" providerId="ADAL" clId="{6241A617-B809-41F6-88F4-E387E9626168}" dt="2025-04-03T01:16:48.230" v="4338" actId="1076"/>
+          <ac:picMkLst>
+            <pc:docMk/>
+            <pc:sldMk cId="2241082669" sldId="481"/>
+            <ac:picMk id="3" creationId="{1D845765-BBB0-4B41-BAEF-6F60464E6E00}"/>
+          </ac:picMkLst>
+        </pc:picChg>
+        <pc:cxnChg chg="del mod">
+          <ac:chgData name="Weifeng Xu" userId="e7aed605-a3dd-4d5a-a692-a87037af107b" providerId="ADAL" clId="{6241A617-B809-41F6-88F4-E387E9626168}" dt="2025-04-03T01:15:25.392" v="4300" actId="478"/>
+          <ac:cxnSpMkLst>
+            <pc:docMk/>
+            <pc:sldMk cId="2241082669" sldId="481"/>
+            <ac:cxnSpMk id="7" creationId="{C35DD211-86A6-416F-908F-EEB0613D57AE}"/>
+          </ac:cxnSpMkLst>
+        </pc:cxnChg>
       </pc:sldChg>
       <pc:sldChg chg="del">
         <pc:chgData name="Weifeng Xu" userId="e7aed605-a3dd-4d5a-a692-a87037af107b" providerId="ADAL" clId="{6241A617-B809-41F6-88F4-E387E9626168}" dt="2021-08-09T01:20:35.576" v="734" actId="47"/>
@@ -6524,14 +6582,6 @@
           <pc:docMk/>
           <pc:sldMk cId="1962938929" sldId="485"/>
         </pc:sldMkLst>
-        <pc:spChg chg="mod">
-          <ac:chgData name="Weifeng Xu" userId="e7aed605-a3dd-4d5a-a692-a87037af107b" providerId="ADAL" clId="{6241A617-B809-41F6-88F4-E387E9626168}" dt="2024-12-30T22:49:57.245" v="4284" actId="20577"/>
-          <ac:spMkLst>
-            <pc:docMk/>
-            <pc:sldMk cId="1962938929" sldId="485"/>
-            <ac:spMk id="23" creationId="{6935A327-A03F-430A-A489-6B746B3638A7}"/>
-          </ac:spMkLst>
-        </pc:spChg>
       </pc:sldChg>
       <pc:sldChg chg="modSp mod ord">
         <pc:chgData name="Weifeng Xu" userId="e7aed605-a3dd-4d5a-a692-a87037af107b" providerId="ADAL" clId="{6241A617-B809-41F6-88F4-E387E9626168}" dt="2021-08-19T14:43:49.705" v="3290" actId="20577"/>
@@ -6842,29 +6892,21 @@
         </pc:sldMkLst>
       </pc:sldChg>
       <pc:sldChg chg="addSp delSp modSp new mod ord modClrScheme chgLayout">
-        <pc:chgData name="Weifeng Xu" userId="e7aed605-a3dd-4d5a-a692-a87037af107b" providerId="ADAL" clId="{6241A617-B809-41F6-88F4-E387E9626168}" dt="2024-12-30T22:44:37.231" v="4276" actId="13822"/>
+        <pc:chgData name="Weifeng Xu" userId="e7aed605-a3dd-4d5a-a692-a87037af107b" providerId="ADAL" clId="{6241A617-B809-41F6-88F4-E387E9626168}" dt="2025-04-03T01:50:07.750" v="4379" actId="207"/>
         <pc:sldMkLst>
           <pc:docMk/>
           <pc:sldMk cId="838189211" sldId="526"/>
         </pc:sldMkLst>
-        <pc:spChg chg="add mod">
-          <ac:chgData name="Weifeng Xu" userId="e7aed605-a3dd-4d5a-a692-a87037af107b" providerId="ADAL" clId="{6241A617-B809-41F6-88F4-E387E9626168}" dt="2024-12-30T22:44:31.724" v="4274" actId="207"/>
+        <pc:spChg chg="mod">
+          <ac:chgData name="Weifeng Xu" userId="e7aed605-a3dd-4d5a-a692-a87037af107b" providerId="ADAL" clId="{6241A617-B809-41F6-88F4-E387E9626168}" dt="2025-04-03T01:50:07.750" v="4379" actId="207"/>
           <ac:spMkLst>
             <pc:docMk/>
             <pc:sldMk cId="838189211" sldId="526"/>
             <ac:spMk id="10" creationId="{371F4453-5CD6-4707-B633-2D362C25A593}"/>
           </ac:spMkLst>
         </pc:spChg>
-        <pc:cxnChg chg="add mod">
-          <ac:chgData name="Weifeng Xu" userId="e7aed605-a3dd-4d5a-a692-a87037af107b" providerId="ADAL" clId="{6241A617-B809-41F6-88F4-E387E9626168}" dt="2024-12-30T22:43:55.147" v="4272" actId="13822"/>
-          <ac:cxnSpMkLst>
-            <pc:docMk/>
-            <pc:sldMk cId="838189211" sldId="526"/>
-            <ac:cxnSpMk id="3" creationId="{A91EDE00-6ED5-93BC-2095-DA178DB8A361}"/>
-          </ac:cxnSpMkLst>
-        </pc:cxnChg>
-        <pc:cxnChg chg="add mod">
-          <ac:chgData name="Weifeng Xu" userId="e7aed605-a3dd-4d5a-a692-a87037af107b" providerId="ADAL" clId="{6241A617-B809-41F6-88F4-E387E9626168}" dt="2024-12-30T22:44:37.231" v="4276" actId="13822"/>
+        <pc:cxnChg chg="mod">
+          <ac:chgData name="Weifeng Xu" userId="e7aed605-a3dd-4d5a-a692-a87037af107b" providerId="ADAL" clId="{6241A617-B809-41F6-88F4-E387E9626168}" dt="2025-04-03T01:27:35.565" v="4373" actId="14100"/>
           <ac:cxnSpMkLst>
             <pc:docMk/>
             <pc:sldMk cId="838189211" sldId="526"/>
@@ -6899,238 +6941,348 @@
           <pc:docMk/>
           <pc:sldMk cId="2153434805" sldId="529"/>
         </pc:sldMkLst>
-        <pc:spChg chg="add mod">
-          <ac:chgData name="Weifeng Xu" userId="e7aed605-a3dd-4d5a-a692-a87037af107b" providerId="ADAL" clId="{6241A617-B809-41F6-88F4-E387E9626168}" dt="2024-12-30T22:32:15.071" v="4260" actId="1037"/>
+      </pc:sldChg>
+      <pc:sldChg chg="addSp delSp modSp new mod ord modClrScheme chgLayout">
+        <pc:chgData name="Weifeng Xu" userId="e7aed605-a3dd-4d5a-a692-a87037af107b" providerId="ADAL" clId="{6241A617-B809-41F6-88F4-E387E9626168}" dt="2025-04-03T01:29:07.665" v="4375" actId="167"/>
+        <pc:sldMkLst>
+          <pc:docMk/>
+          <pc:sldMk cId="3282292129" sldId="530"/>
+        </pc:sldMkLst>
+        <pc:spChg chg="mod ord">
+          <ac:chgData name="Weifeng Xu" userId="e7aed605-a3dd-4d5a-a692-a87037af107b" providerId="ADAL" clId="{6241A617-B809-41F6-88F4-E387E9626168}" dt="2025-04-03T01:29:07.665" v="4375" actId="167"/>
           <ac:spMkLst>
             <pc:docMk/>
-            <pc:sldMk cId="2153434805" sldId="529"/>
-            <ac:spMk id="2" creationId="{C2672D05-E9AE-B06B-0762-115618707C9D}"/>
+            <pc:sldMk cId="3282292129" sldId="530"/>
+            <ac:spMk id="19" creationId="{76B30044-675D-45EB-A271-551AE6720E7F}"/>
           </ac:spMkLst>
         </pc:spChg>
-        <pc:spChg chg="mod">
-          <ac:chgData name="Weifeng Xu" userId="e7aed605-a3dd-4d5a-a692-a87037af107b" providerId="ADAL" clId="{6241A617-B809-41F6-88F4-E387E9626168}" dt="2024-12-30T22:32:15.071" v="4260" actId="1037"/>
+      </pc:sldChg>
+      <pc:sldChg chg="addSp delSp modSp new mod modClrScheme chgLayout">
+        <pc:chgData name="Weifeng Xu" userId="e7aed605-a3dd-4d5a-a692-a87037af107b" providerId="ADAL" clId="{6241A617-B809-41F6-88F4-E387E9626168}" dt="2021-08-16T14:42:52.902" v="2337" actId="1076"/>
+        <pc:sldMkLst>
+          <pc:docMk/>
+          <pc:sldMk cId="2074265143" sldId="531"/>
+        </pc:sldMkLst>
+      </pc:sldChg>
+      <pc:sldChg chg="new del">
+        <pc:chgData name="Weifeng Xu" userId="e7aed605-a3dd-4d5a-a692-a87037af107b" providerId="ADAL" clId="{6241A617-B809-41F6-88F4-E387E9626168}" dt="2021-08-19T20:08:44.066" v="4068" actId="47"/>
+        <pc:sldMkLst>
+          <pc:docMk/>
+          <pc:sldMk cId="2727203852" sldId="532"/>
+        </pc:sldMkLst>
+      </pc:sldChg>
+      <pc:sldChg chg="addSp delSp modSp new del mod modClrScheme chgLayout">
+        <pc:chgData name="Weifeng Xu" userId="e7aed605-a3dd-4d5a-a692-a87037af107b" providerId="ADAL" clId="{6241A617-B809-41F6-88F4-E387E9626168}" dt="2021-08-19T20:08:45.011" v="4069" actId="47"/>
+        <pc:sldMkLst>
+          <pc:docMk/>
+          <pc:sldMk cId="1794785250" sldId="533"/>
+        </pc:sldMkLst>
+      </pc:sldChg>
+      <pc:sldChg chg="new del">
+        <pc:chgData name="Weifeng Xu" userId="e7aed605-a3dd-4d5a-a692-a87037af107b" providerId="ADAL" clId="{6241A617-B809-41F6-88F4-E387E9626168}" dt="2021-08-19T20:08:46.260" v="4070" actId="47"/>
+        <pc:sldMkLst>
+          <pc:docMk/>
+          <pc:sldMk cId="3486633824" sldId="534"/>
+        </pc:sldMkLst>
+      </pc:sldChg>
+      <pc:sldChg chg="new del">
+        <pc:chgData name="Weifeng Xu" userId="e7aed605-a3dd-4d5a-a692-a87037af107b" providerId="ADAL" clId="{6241A617-B809-41F6-88F4-E387E9626168}" dt="2021-08-19T20:08:47.043" v="4071" actId="47"/>
+        <pc:sldMkLst>
+          <pc:docMk/>
+          <pc:sldMk cId="1871286142" sldId="535"/>
+        </pc:sldMkLst>
+      </pc:sldChg>
+      <pc:sldChg chg="addSp delSp modSp new mod ord modClrScheme chgLayout">
+        <pc:chgData name="Weifeng Xu" userId="e7aed605-a3dd-4d5a-a692-a87037af107b" providerId="ADAL" clId="{6241A617-B809-41F6-88F4-E387E9626168}" dt="2021-08-19T13:28:07.032" v="2621" actId="1035"/>
+        <pc:sldMkLst>
+          <pc:docMk/>
+          <pc:sldMk cId="2682760572" sldId="536"/>
+        </pc:sldMkLst>
+      </pc:sldChg>
+      <pc:sldChg chg="addSp delSp modSp new mod modClrScheme chgLayout">
+        <pc:chgData name="Weifeng Xu" userId="e7aed605-a3dd-4d5a-a692-a87037af107b" providerId="ADAL" clId="{6241A617-B809-41F6-88F4-E387E9626168}" dt="2021-08-19T14:50:09.018" v="3328" actId="20577"/>
+        <pc:sldMkLst>
+          <pc:docMk/>
+          <pc:sldMk cId="1888456468" sldId="537"/>
+        </pc:sldMkLst>
+      </pc:sldChg>
+      <pc:sldChg chg="addSp delSp modSp new mod modClrScheme chgLayout">
+        <pc:chgData name="Weifeng Xu" userId="e7aed605-a3dd-4d5a-a692-a87037af107b" providerId="ADAL" clId="{6241A617-B809-41F6-88F4-E387E9626168}" dt="2021-08-19T19:40:57.995" v="3846" actId="1076"/>
+        <pc:sldMkLst>
+          <pc:docMk/>
+          <pc:sldMk cId="2173463043" sldId="538"/>
+        </pc:sldMkLst>
+      </pc:sldChg>
+      <pc:sldChg chg="new del">
+        <pc:chgData name="Weifeng Xu" userId="e7aed605-a3dd-4d5a-a692-a87037af107b" providerId="ADAL" clId="{6241A617-B809-41F6-88F4-E387E9626168}" dt="2021-08-19T20:08:48.026" v="4072" actId="47"/>
+        <pc:sldMkLst>
+          <pc:docMk/>
+          <pc:sldMk cId="3608063689" sldId="539"/>
+        </pc:sldMkLst>
+      </pc:sldChg>
+      <pc:sldChg chg="addSp delSp modSp new mod">
+        <pc:chgData name="Weifeng Xu" userId="e7aed605-a3dd-4d5a-a692-a87037af107b" providerId="ADAL" clId="{6241A617-B809-41F6-88F4-E387E9626168}" dt="2021-08-19T14:31:12.990" v="3042" actId="20577"/>
+        <pc:sldMkLst>
+          <pc:docMk/>
+          <pc:sldMk cId="4123601827" sldId="540"/>
+        </pc:sldMkLst>
+      </pc:sldChg>
+      <pc:sldChg chg="addSp delSp modSp new mod">
+        <pc:chgData name="Weifeng Xu" userId="e7aed605-a3dd-4d5a-a692-a87037af107b" providerId="ADAL" clId="{6241A617-B809-41F6-88F4-E387E9626168}" dt="2021-08-19T19:15:15.059" v="3707" actId="478"/>
+        <pc:sldMkLst>
+          <pc:docMk/>
+          <pc:sldMk cId="159177902" sldId="541"/>
+        </pc:sldMkLst>
+      </pc:sldChg>
+      <pc:sldChg chg="addSp delSp modSp new mod modClrScheme chgLayout">
+        <pc:chgData name="Weifeng Xu" userId="e7aed605-a3dd-4d5a-a692-a87037af107b" providerId="ADAL" clId="{6241A617-B809-41F6-88F4-E387E9626168}" dt="2021-08-19T19:38:04.103" v="3830" actId="207"/>
+        <pc:sldMkLst>
+          <pc:docMk/>
+          <pc:sldMk cId="2047854224" sldId="542"/>
+        </pc:sldMkLst>
+      </pc:sldChg>
+      <pc:sldChg chg="addSp modSp new mod">
+        <pc:chgData name="Weifeng Xu" userId="e7aed605-a3dd-4d5a-a692-a87037af107b" providerId="ADAL" clId="{6241A617-B809-41F6-88F4-E387E9626168}" dt="2021-08-19T19:05:13.742" v="3621" actId="6549"/>
+        <pc:sldMkLst>
+          <pc:docMk/>
+          <pc:sldMk cId="4010555816" sldId="543"/>
+        </pc:sldMkLst>
+      </pc:sldChg>
+      <pc:sldChg chg="delSp modSp add mod modClrScheme chgLayout">
+        <pc:chgData name="Weifeng Xu" userId="e7aed605-a3dd-4d5a-a692-a87037af107b" providerId="ADAL" clId="{6241A617-B809-41F6-88F4-E387E9626168}" dt="2021-08-19T20:02:22.089" v="4013" actId="1037"/>
+        <pc:sldMkLst>
+          <pc:docMk/>
+          <pc:sldMk cId="817345557" sldId="544"/>
+        </pc:sldMkLst>
+      </pc:sldChg>
+      <pc:sldChg chg="new del">
+        <pc:chgData name="Weifeng Xu" userId="e7aed605-a3dd-4d5a-a692-a87037af107b" providerId="ADAL" clId="{6241A617-B809-41F6-88F4-E387E9626168}" dt="2021-08-19T19:57:15.228" v="3849" actId="47"/>
+        <pc:sldMkLst>
+          <pc:docMk/>
+          <pc:sldMk cId="2309741437" sldId="544"/>
+        </pc:sldMkLst>
+      </pc:sldChg>
+      <pc:sldChg chg="addSp delSp modSp new add del mod modClrScheme chgLayout">
+        <pc:chgData name="Weifeng Xu" userId="e7aed605-a3dd-4d5a-a692-a87037af107b" providerId="ADAL" clId="{6241A617-B809-41F6-88F4-E387E9626168}" dt="2025-04-03T02:02:33.631" v="4500" actId="1076"/>
+        <pc:sldMkLst>
+          <pc:docMk/>
+          <pc:sldMk cId="398994365" sldId="545"/>
+        </pc:sldMkLst>
+        <pc:spChg chg="mod ord">
+          <ac:chgData name="Weifeng Xu" userId="e7aed605-a3dd-4d5a-a692-a87037af107b" providerId="ADAL" clId="{6241A617-B809-41F6-88F4-E387E9626168}" dt="2025-04-03T01:52:58.522" v="4412" actId="26606"/>
           <ac:spMkLst>
             <pc:docMk/>
-            <pc:sldMk cId="2153434805" sldId="529"/>
-            <ac:spMk id="7" creationId="{B2D9210E-6ABF-4CB3-A9FD-6D1F3F6D74FE}"/>
+            <pc:sldMk cId="398994365" sldId="545"/>
+            <ac:spMk id="2" creationId="{BBC3D91C-466C-DA42-9B39-E505E52EEBB7}"/>
           </ac:spMkLst>
         </pc:spChg>
-        <pc:spChg chg="mod">
-          <ac:chgData name="Weifeng Xu" userId="e7aed605-a3dd-4d5a-a692-a87037af107b" providerId="ADAL" clId="{6241A617-B809-41F6-88F4-E387E9626168}" dt="2024-12-30T22:32:15.071" v="4260" actId="1037"/>
+        <pc:spChg chg="del">
+          <ac:chgData name="Weifeng Xu" userId="e7aed605-a3dd-4d5a-a692-a87037af107b" providerId="ADAL" clId="{6241A617-B809-41F6-88F4-E387E9626168}" dt="2025-04-03T01:52:53.523" v="4410" actId="700"/>
           <ac:spMkLst>
             <pc:docMk/>
-            <pc:sldMk cId="2153434805" sldId="529"/>
-            <ac:spMk id="8" creationId="{66AB0896-22FB-46FA-9BC9-038FF9E7B74D}"/>
+            <pc:sldMk cId="398994365" sldId="545"/>
+            <ac:spMk id="3" creationId="{CD975504-399B-F66B-B1E3-D75FC08D50B0}"/>
           </ac:spMkLst>
         </pc:spChg>
-        <pc:spChg chg="mod">
-          <ac:chgData name="Weifeng Xu" userId="e7aed605-a3dd-4d5a-a692-a87037af107b" providerId="ADAL" clId="{6241A617-B809-41F6-88F4-E387E9626168}" dt="2024-12-30T22:32:15.071" v="4260" actId="1037"/>
+        <pc:spChg chg="add del mod">
+          <ac:chgData name="Weifeng Xu" userId="e7aed605-a3dd-4d5a-a692-a87037af107b" providerId="ADAL" clId="{6241A617-B809-41F6-88F4-E387E9626168}" dt="2025-04-03T01:52:58.522" v="4412" actId="26606"/>
           <ac:spMkLst>
             <pc:docMk/>
-            <pc:sldMk cId="2153434805" sldId="529"/>
-            <ac:spMk id="9" creationId="{80B0531C-A1B6-4851-82BE-998D16A2ADC8}"/>
-          </ac:spMkLst>
-        </pc:spChg>
-        <pc:spChg chg="mod">
-          <ac:chgData name="Weifeng Xu" userId="e7aed605-a3dd-4d5a-a692-a87037af107b" providerId="ADAL" clId="{6241A617-B809-41F6-88F4-E387E9626168}" dt="2024-12-30T22:32:15.071" v="4260" actId="1037"/>
-          <ac:spMkLst>
-            <pc:docMk/>
-            <pc:sldMk cId="2153434805" sldId="529"/>
-            <ac:spMk id="10" creationId="{8E7043EA-3776-4544-93E4-B1550EFFB1F1}"/>
-          </ac:spMkLst>
-        </pc:spChg>
-        <pc:spChg chg="mod">
-          <ac:chgData name="Weifeng Xu" userId="e7aed605-a3dd-4d5a-a692-a87037af107b" providerId="ADAL" clId="{6241A617-B809-41F6-88F4-E387E9626168}" dt="2024-12-30T22:32:15.071" v="4260" actId="1037"/>
-          <ac:spMkLst>
-            <pc:docMk/>
-            <pc:sldMk cId="2153434805" sldId="529"/>
-            <ac:spMk id="11" creationId="{A441DAB9-B84A-4721-B9FB-80766414D3D6}"/>
+            <pc:sldMk cId="398994365" sldId="545"/>
+            <ac:spMk id="7" creationId="{473EF251-6D00-F502-D052-2A5A92E5A7BD}"/>
           </ac:spMkLst>
         </pc:spChg>
         <pc:spChg chg="add mod">
-          <ac:chgData name="Weifeng Xu" userId="e7aed605-a3dd-4d5a-a692-a87037af107b" providerId="ADAL" clId="{6241A617-B809-41F6-88F4-E387E9626168}" dt="2024-12-30T22:52:58.477" v="4296" actId="1076"/>
+          <ac:chgData name="Weifeng Xu" userId="e7aed605-a3dd-4d5a-a692-a87037af107b" providerId="ADAL" clId="{6241A617-B809-41F6-88F4-E387E9626168}" dt="2025-04-03T02:00:17.192" v="4449" actId="1076"/>
           <ac:spMkLst>
             <pc:docMk/>
-            <pc:sldMk cId="2153434805" sldId="529"/>
-            <ac:spMk id="19" creationId="{AA618C45-D7CE-2B46-0ADB-D3E61E5356AD}"/>
+            <pc:sldMk cId="398994365" sldId="545"/>
+            <ac:spMk id="8" creationId="{7DB2DD92-D397-1C33-8503-3EBBC7036466}"/>
+          </ac:spMkLst>
+        </pc:spChg>
+        <pc:spChg chg="add mod">
+          <ac:chgData name="Weifeng Xu" userId="e7aed605-a3dd-4d5a-a692-a87037af107b" providerId="ADAL" clId="{6241A617-B809-41F6-88F4-E387E9626168}" dt="2025-04-03T02:02:33.631" v="4500" actId="1076"/>
+          <ac:spMkLst>
+            <pc:docMk/>
+            <pc:sldMk cId="398994365" sldId="545"/>
+            <ac:spMk id="11" creationId="{4D810467-FA5D-F214-6597-140E95DC59CD}"/>
           </ac:spMkLst>
         </pc:spChg>
         <pc:picChg chg="add mod">
-          <ac:chgData name="Weifeng Xu" userId="e7aed605-a3dd-4d5a-a692-a87037af107b" providerId="ADAL" clId="{6241A617-B809-41F6-88F4-E387E9626168}" dt="2024-12-30T22:32:19.758" v="4262" actId="1076"/>
+          <ac:chgData name="Weifeng Xu" userId="e7aed605-a3dd-4d5a-a692-a87037af107b" providerId="ADAL" clId="{6241A617-B809-41F6-88F4-E387E9626168}" dt="2025-04-03T01:54:03.502" v="4415" actId="14100"/>
           <ac:picMkLst>
             <pc:docMk/>
-            <pc:sldMk cId="2153434805" sldId="529"/>
-            <ac:picMk id="4" creationId="{C0B84C0A-03AD-163C-470E-B8B20C4848A0}"/>
+            <pc:sldMk cId="398994365" sldId="545"/>
+            <ac:picMk id="5" creationId="{BC1EA708-E0FB-068C-0C6F-D3F46AB82E46}"/>
           </ac:picMkLst>
         </pc:picChg>
-        <pc:picChg chg="mod">
-          <ac:chgData name="Weifeng Xu" userId="e7aed605-a3dd-4d5a-a692-a87037af107b" providerId="ADAL" clId="{6241A617-B809-41F6-88F4-E387E9626168}" dt="2024-12-30T22:32:15.071" v="4260" actId="1037"/>
+        <pc:picChg chg="add mod">
+          <ac:chgData name="Weifeng Xu" userId="e7aed605-a3dd-4d5a-a692-a87037af107b" providerId="ADAL" clId="{6241A617-B809-41F6-88F4-E387E9626168}" dt="2025-04-03T02:00:01.483" v="4447"/>
           <ac:picMkLst>
             <pc:docMk/>
-            <pc:sldMk cId="2153434805" sldId="529"/>
-            <ac:picMk id="5" creationId="{3F29E625-DCBC-4FB4-ACF1-CA7D33C32182}"/>
+            <pc:sldMk cId="398994365" sldId="545"/>
+            <ac:picMk id="6" creationId="{9E072958-5633-B5C6-1445-700DB14FDED4}"/>
           </ac:picMkLst>
         </pc:picChg>
-        <pc:cxnChg chg="add mod">
-          <ac:chgData name="Weifeng Xu" userId="e7aed605-a3dd-4d5a-a692-a87037af107b" providerId="ADAL" clId="{6241A617-B809-41F6-88F4-E387E9626168}" dt="2024-12-30T22:32:36.792" v="4264" actId="13822"/>
+        <pc:cxnChg chg="add">
+          <ac:chgData name="Weifeng Xu" userId="e7aed605-a3dd-4d5a-a692-a87037af107b" providerId="ADAL" clId="{6241A617-B809-41F6-88F4-E387E9626168}" dt="2025-04-03T02:01:36.527" v="4450" actId="11529"/>
           <ac:cxnSpMkLst>
             <pc:docMk/>
-            <pc:sldMk cId="2153434805" sldId="529"/>
-            <ac:cxnSpMk id="12" creationId="{83B00AC0-B155-5947-3CF7-080987B1C8CE}"/>
+            <pc:sldMk cId="398994365" sldId="545"/>
+            <ac:cxnSpMk id="10" creationId="{980F9E43-BECA-2EAC-9741-B6A5AC8A795B}"/>
           </ac:cxnSpMkLst>
         </pc:cxnChg>
-        <pc:cxnChg chg="add mod">
-          <ac:chgData name="Weifeng Xu" userId="e7aed605-a3dd-4d5a-a692-a87037af107b" providerId="ADAL" clId="{6241A617-B809-41F6-88F4-E387E9626168}" dt="2024-12-30T22:32:44.829" v="4266" actId="13822"/>
-          <ac:cxnSpMkLst>
-            <pc:docMk/>
-            <pc:sldMk cId="2153434805" sldId="529"/>
-            <ac:cxnSpMk id="14" creationId="{FBDAD0A1-170D-D396-BB72-533C61E52764}"/>
-          </ac:cxnSpMkLst>
-        </pc:cxnChg>
-        <pc:cxnChg chg="add mod">
-          <ac:chgData name="Weifeng Xu" userId="e7aed605-a3dd-4d5a-a692-a87037af107b" providerId="ADAL" clId="{6241A617-B809-41F6-88F4-E387E9626168}" dt="2024-12-30T22:32:51.381" v="4268" actId="13822"/>
-          <ac:cxnSpMkLst>
-            <pc:docMk/>
-            <pc:sldMk cId="2153434805" sldId="529"/>
-            <ac:cxnSpMk id="16" creationId="{69F51767-3D23-4F92-3B31-0492D5D92D52}"/>
-          </ac:cxnSpMkLst>
-        </pc:cxnChg>
-        <pc:cxnChg chg="add mod">
-          <ac:chgData name="Weifeng Xu" userId="e7aed605-a3dd-4d5a-a692-a87037af107b" providerId="ADAL" clId="{6241A617-B809-41F6-88F4-E387E9626168}" dt="2024-12-30T22:32:59.976" v="4270" actId="13822"/>
-          <ac:cxnSpMkLst>
-            <pc:docMk/>
-            <pc:sldMk cId="2153434805" sldId="529"/>
-            <ac:cxnSpMk id="18" creationId="{8DE61391-D388-4047-13E3-C4799BBE22E3}"/>
-          </ac:cxnSpMkLst>
-        </pc:cxnChg>
-      </pc:sldChg>
-      <pc:sldChg chg="addSp delSp modSp new mod ord modClrScheme chgLayout">
-        <pc:chgData name="Weifeng Xu" userId="e7aed605-a3dd-4d5a-a692-a87037af107b" providerId="ADAL" clId="{6241A617-B809-41F6-88F4-E387E9626168}" dt="2024-12-30T22:23:19.325" v="4163" actId="6549"/>
-        <pc:sldMkLst>
-          <pc:docMk/>
-          <pc:sldMk cId="3282292129" sldId="530"/>
-        </pc:sldMkLst>
-        <pc:spChg chg="mod">
-          <ac:chgData name="Weifeng Xu" userId="e7aed605-a3dd-4d5a-a692-a87037af107b" providerId="ADAL" clId="{6241A617-B809-41F6-88F4-E387E9626168}" dt="2024-12-30T22:23:19.325" v="4163" actId="6549"/>
+      </pc:sldChg>
+      <pc:sldChg chg="addSp delSp modSp new mod modClrScheme chgLayout">
+        <pc:chgData name="Weifeng Xu" userId="e7aed605-a3dd-4d5a-a692-a87037af107b" providerId="ADAL" clId="{6241A617-B809-41F6-88F4-E387E9626168}" dt="2025-04-03T01:59:49.073" v="4446" actId="1582"/>
+        <pc:sldMkLst>
+          <pc:docMk/>
+          <pc:sldMk cId="2696663503" sldId="546"/>
+        </pc:sldMkLst>
+        <pc:spChg chg="del">
+          <ac:chgData name="Weifeng Xu" userId="e7aed605-a3dd-4d5a-a692-a87037af107b" providerId="ADAL" clId="{6241A617-B809-41F6-88F4-E387E9626168}" dt="2025-04-03T01:54:15.659" v="4417" actId="700"/>
           <ac:spMkLst>
             <pc:docMk/>
-            <pc:sldMk cId="3282292129" sldId="530"/>
-            <ac:spMk id="6" creationId="{0EB54E7E-8304-4E48-AC64-1F000B2FB70B}"/>
+            <pc:sldMk cId="2696663503" sldId="546"/>
+            <ac:spMk id="2" creationId="{18041B8E-5EFE-8893-60CF-EA0736A40AA7}"/>
           </ac:spMkLst>
         </pc:spChg>
-        <pc:cxnChg chg="mod">
-          <ac:chgData name="Weifeng Xu" userId="e7aed605-a3dd-4d5a-a692-a87037af107b" providerId="ADAL" clId="{6241A617-B809-41F6-88F4-E387E9626168}" dt="2024-12-30T22:22:18.696" v="4144" actId="20577"/>
-          <ac:cxnSpMkLst>
+        <pc:spChg chg="add mod">
+          <ac:chgData name="Weifeng Xu" userId="e7aed605-a3dd-4d5a-a692-a87037af107b" providerId="ADAL" clId="{6241A617-B809-41F6-88F4-E387E9626168}" dt="2025-04-03T01:59:49.073" v="4446" actId="1582"/>
+          <ac:spMkLst>
             <pc:docMk/>
-            <pc:sldMk cId="3282292129" sldId="530"/>
-            <ac:cxnSpMk id="7" creationId="{02AE82AE-7790-40B8-9460-725218967B08}"/>
-          </ac:cxnSpMkLst>
-        </pc:cxnChg>
-      </pc:sldChg>
-      <pc:sldChg chg="addSp delSp modSp new mod modClrScheme chgLayout">
-        <pc:chgData name="Weifeng Xu" userId="e7aed605-a3dd-4d5a-a692-a87037af107b" providerId="ADAL" clId="{6241A617-B809-41F6-88F4-E387E9626168}" dt="2021-08-16T14:42:52.902" v="2337" actId="1076"/>
-        <pc:sldMkLst>
-          <pc:docMk/>
-          <pc:sldMk cId="2074265143" sldId="531"/>
-        </pc:sldMkLst>
-      </pc:sldChg>
-      <pc:sldChg chg="new del">
-        <pc:chgData name="Weifeng Xu" userId="e7aed605-a3dd-4d5a-a692-a87037af107b" providerId="ADAL" clId="{6241A617-B809-41F6-88F4-E387E9626168}" dt="2021-08-19T20:08:44.066" v="4068" actId="47"/>
-        <pc:sldMkLst>
-          <pc:docMk/>
-          <pc:sldMk cId="2727203852" sldId="532"/>
-        </pc:sldMkLst>
-      </pc:sldChg>
-      <pc:sldChg chg="addSp delSp modSp new del mod modClrScheme chgLayout">
-        <pc:chgData name="Weifeng Xu" userId="e7aed605-a3dd-4d5a-a692-a87037af107b" providerId="ADAL" clId="{6241A617-B809-41F6-88F4-E387E9626168}" dt="2021-08-19T20:08:45.011" v="4069" actId="47"/>
-        <pc:sldMkLst>
-          <pc:docMk/>
-          <pc:sldMk cId="1794785250" sldId="533"/>
-        </pc:sldMkLst>
-      </pc:sldChg>
-      <pc:sldChg chg="new del">
-        <pc:chgData name="Weifeng Xu" userId="e7aed605-a3dd-4d5a-a692-a87037af107b" providerId="ADAL" clId="{6241A617-B809-41F6-88F4-E387E9626168}" dt="2021-08-19T20:08:46.260" v="4070" actId="47"/>
-        <pc:sldMkLst>
-          <pc:docMk/>
-          <pc:sldMk cId="3486633824" sldId="534"/>
-        </pc:sldMkLst>
-      </pc:sldChg>
-      <pc:sldChg chg="new del">
-        <pc:chgData name="Weifeng Xu" userId="e7aed605-a3dd-4d5a-a692-a87037af107b" providerId="ADAL" clId="{6241A617-B809-41F6-88F4-E387E9626168}" dt="2021-08-19T20:08:47.043" v="4071" actId="47"/>
-        <pc:sldMkLst>
-          <pc:docMk/>
-          <pc:sldMk cId="1871286142" sldId="535"/>
-        </pc:sldMkLst>
-      </pc:sldChg>
-      <pc:sldChg chg="addSp delSp modSp new mod ord modClrScheme chgLayout">
-        <pc:chgData name="Weifeng Xu" userId="e7aed605-a3dd-4d5a-a692-a87037af107b" providerId="ADAL" clId="{6241A617-B809-41F6-88F4-E387E9626168}" dt="2021-08-19T13:28:07.032" v="2621" actId="1035"/>
-        <pc:sldMkLst>
-          <pc:docMk/>
-          <pc:sldMk cId="2682760572" sldId="536"/>
-        </pc:sldMkLst>
-      </pc:sldChg>
-      <pc:sldChg chg="addSp delSp modSp new mod modClrScheme chgLayout">
-        <pc:chgData name="Weifeng Xu" userId="e7aed605-a3dd-4d5a-a692-a87037af107b" providerId="ADAL" clId="{6241A617-B809-41F6-88F4-E387E9626168}" dt="2021-08-19T14:50:09.018" v="3328" actId="20577"/>
-        <pc:sldMkLst>
-          <pc:docMk/>
-          <pc:sldMk cId="1888456468" sldId="537"/>
-        </pc:sldMkLst>
-      </pc:sldChg>
-      <pc:sldChg chg="addSp delSp modSp new mod modClrScheme chgLayout">
-        <pc:chgData name="Weifeng Xu" userId="e7aed605-a3dd-4d5a-a692-a87037af107b" providerId="ADAL" clId="{6241A617-B809-41F6-88F4-E387E9626168}" dt="2021-08-19T19:40:57.995" v="3846" actId="1076"/>
-        <pc:sldMkLst>
-          <pc:docMk/>
-          <pc:sldMk cId="2173463043" sldId="538"/>
-        </pc:sldMkLst>
-      </pc:sldChg>
-      <pc:sldChg chg="new del">
-        <pc:chgData name="Weifeng Xu" userId="e7aed605-a3dd-4d5a-a692-a87037af107b" providerId="ADAL" clId="{6241A617-B809-41F6-88F4-E387E9626168}" dt="2021-08-19T20:08:48.026" v="4072" actId="47"/>
-        <pc:sldMkLst>
-          <pc:docMk/>
-          <pc:sldMk cId="3608063689" sldId="539"/>
-        </pc:sldMkLst>
-      </pc:sldChg>
-      <pc:sldChg chg="addSp delSp modSp new mod">
-        <pc:chgData name="Weifeng Xu" userId="e7aed605-a3dd-4d5a-a692-a87037af107b" providerId="ADAL" clId="{6241A617-B809-41F6-88F4-E387E9626168}" dt="2021-08-19T14:31:12.990" v="3042" actId="20577"/>
-        <pc:sldMkLst>
-          <pc:docMk/>
-          <pc:sldMk cId="4123601827" sldId="540"/>
-        </pc:sldMkLst>
-      </pc:sldChg>
-      <pc:sldChg chg="addSp delSp modSp new mod">
-        <pc:chgData name="Weifeng Xu" userId="e7aed605-a3dd-4d5a-a692-a87037af107b" providerId="ADAL" clId="{6241A617-B809-41F6-88F4-E387E9626168}" dt="2021-08-19T19:15:15.059" v="3707" actId="478"/>
-        <pc:sldMkLst>
-          <pc:docMk/>
-          <pc:sldMk cId="159177902" sldId="541"/>
-        </pc:sldMkLst>
-      </pc:sldChg>
-      <pc:sldChg chg="addSp delSp modSp new mod modClrScheme chgLayout">
-        <pc:chgData name="Weifeng Xu" userId="e7aed605-a3dd-4d5a-a692-a87037af107b" providerId="ADAL" clId="{6241A617-B809-41F6-88F4-E387E9626168}" dt="2021-08-19T19:38:04.103" v="3830" actId="207"/>
-        <pc:sldMkLst>
-          <pc:docMk/>
-          <pc:sldMk cId="2047854224" sldId="542"/>
-        </pc:sldMkLst>
-      </pc:sldChg>
-      <pc:sldChg chg="addSp modSp new mod">
-        <pc:chgData name="Weifeng Xu" userId="e7aed605-a3dd-4d5a-a692-a87037af107b" providerId="ADAL" clId="{6241A617-B809-41F6-88F4-E387E9626168}" dt="2021-08-19T19:05:13.742" v="3621" actId="6549"/>
-        <pc:sldMkLst>
-          <pc:docMk/>
-          <pc:sldMk cId="4010555816" sldId="543"/>
-        </pc:sldMkLst>
-      </pc:sldChg>
-      <pc:sldChg chg="delSp modSp add mod modClrScheme chgLayout">
-        <pc:chgData name="Weifeng Xu" userId="e7aed605-a3dd-4d5a-a692-a87037af107b" providerId="ADAL" clId="{6241A617-B809-41F6-88F4-E387E9626168}" dt="2021-08-19T20:02:22.089" v="4013" actId="1037"/>
-        <pc:sldMkLst>
-          <pc:docMk/>
-          <pc:sldMk cId="817345557" sldId="544"/>
-        </pc:sldMkLst>
-      </pc:sldChg>
-      <pc:sldChg chg="new del">
-        <pc:chgData name="Weifeng Xu" userId="e7aed605-a3dd-4d5a-a692-a87037af107b" providerId="ADAL" clId="{6241A617-B809-41F6-88F4-E387E9626168}" dt="2021-08-19T19:57:15.228" v="3849" actId="47"/>
-        <pc:sldMkLst>
-          <pc:docMk/>
-          <pc:sldMk cId="2309741437" sldId="544"/>
-        </pc:sldMkLst>
+            <pc:sldMk cId="2696663503" sldId="546"/>
+            <ac:spMk id="21" creationId="{DDF17EB1-5933-7697-D10B-C93D412B3F21}"/>
+          </ac:spMkLst>
+        </pc:spChg>
+        <pc:grpChg chg="mod">
+          <ac:chgData name="Weifeng Xu" userId="e7aed605-a3dd-4d5a-a692-a87037af107b" providerId="ADAL" clId="{6241A617-B809-41F6-88F4-E387E9626168}" dt="2025-04-03T01:56:48.637" v="4432"/>
+          <ac:grpSpMkLst>
+            <pc:docMk/>
+            <pc:sldMk cId="2696663503" sldId="546"/>
+            <ac:grpSpMk id="10" creationId="{CE3A5BA5-5A93-D98C-3322-43FEECDE1A0B}"/>
+          </ac:grpSpMkLst>
+        </pc:grpChg>
+        <pc:grpChg chg="del mod">
+          <ac:chgData name="Weifeng Xu" userId="e7aed605-a3dd-4d5a-a692-a87037af107b" providerId="ADAL" clId="{6241A617-B809-41F6-88F4-E387E9626168}" dt="2025-04-03T01:56:59.134" v="4439"/>
+          <ac:grpSpMkLst>
+            <pc:docMk/>
+            <pc:sldMk cId="2696663503" sldId="546"/>
+            <ac:grpSpMk id="13" creationId="{096AD2E9-166E-AEB9-13F6-4E7D5EE2CA5E}"/>
+          </ac:grpSpMkLst>
+        </pc:grpChg>
+        <pc:grpChg chg="del mod">
+          <ac:chgData name="Weifeng Xu" userId="e7aed605-a3dd-4d5a-a692-a87037af107b" providerId="ADAL" clId="{6241A617-B809-41F6-88F4-E387E9626168}" dt="2025-04-03T01:57:02.984" v="4441"/>
+          <ac:grpSpMkLst>
+            <pc:docMk/>
+            <pc:sldMk cId="2696663503" sldId="546"/>
+            <ac:grpSpMk id="17" creationId="{A99B5BB3-FF30-C53B-12DC-86F1C906FC7E}"/>
+          </ac:grpSpMkLst>
+        </pc:grpChg>
+        <pc:grpChg chg="mod">
+          <ac:chgData name="Weifeng Xu" userId="e7aed605-a3dd-4d5a-a692-a87037af107b" providerId="ADAL" clId="{6241A617-B809-41F6-88F4-E387E9626168}" dt="2025-04-03T01:57:02.984" v="4441"/>
+          <ac:grpSpMkLst>
+            <pc:docMk/>
+            <pc:sldMk cId="2696663503" sldId="546"/>
+            <ac:grpSpMk id="19" creationId="{F45D3D60-4C20-568B-E9CB-EEB6C7230799}"/>
+          </ac:grpSpMkLst>
+        </pc:grpChg>
+        <pc:picChg chg="add mod">
+          <ac:chgData name="Weifeng Xu" userId="e7aed605-a3dd-4d5a-a692-a87037af107b" providerId="ADAL" clId="{6241A617-B809-41F6-88F4-E387E9626168}" dt="2025-04-03T01:56:28.835" v="4427" actId="1076"/>
+          <ac:picMkLst>
+            <pc:docMk/>
+            <pc:sldMk cId="2696663503" sldId="546"/>
+            <ac:picMk id="4" creationId="{1AB64CB0-A719-EB35-2176-ECF20A7F96CE}"/>
+          </ac:picMkLst>
+        </pc:picChg>
+        <pc:picChg chg="add mod">
+          <ac:chgData name="Weifeng Xu" userId="e7aed605-a3dd-4d5a-a692-a87037af107b" providerId="ADAL" clId="{6241A617-B809-41F6-88F4-E387E9626168}" dt="2025-04-03T01:56:30.054" v="4428" actId="1076"/>
+          <ac:picMkLst>
+            <pc:docMk/>
+            <pc:sldMk cId="2696663503" sldId="546"/>
+            <ac:picMk id="6" creationId="{B03CC534-F117-8CF9-846C-82C1539C32BD}"/>
+          </ac:picMkLst>
+        </pc:picChg>
+        <pc:inkChg chg="add mod">
+          <ac:chgData name="Weifeng Xu" userId="e7aed605-a3dd-4d5a-a692-a87037af107b" providerId="ADAL" clId="{6241A617-B809-41F6-88F4-E387E9626168}" dt="2025-04-03T01:56:48.637" v="4432"/>
+          <ac:inkMkLst>
+            <pc:docMk/>
+            <pc:sldMk cId="2696663503" sldId="546"/>
+            <ac:inkMk id="7" creationId="{5A72CA5B-4D67-5DF1-3334-E54951BCCDAF}"/>
+          </ac:inkMkLst>
+        </pc:inkChg>
+        <pc:inkChg chg="add mod">
+          <ac:chgData name="Weifeng Xu" userId="e7aed605-a3dd-4d5a-a692-a87037af107b" providerId="ADAL" clId="{6241A617-B809-41F6-88F4-E387E9626168}" dt="2025-04-03T01:56:48.637" v="4432"/>
+          <ac:inkMkLst>
+            <pc:docMk/>
+            <pc:sldMk cId="2696663503" sldId="546"/>
+            <ac:inkMk id="8" creationId="{332830CB-8388-6757-E6CE-9A3B9F1867BC}"/>
+          </ac:inkMkLst>
+        </pc:inkChg>
+        <pc:inkChg chg="add mod">
+          <ac:chgData name="Weifeng Xu" userId="e7aed605-a3dd-4d5a-a692-a87037af107b" providerId="ADAL" clId="{6241A617-B809-41F6-88F4-E387E9626168}" dt="2025-04-03T01:56:48.637" v="4432"/>
+          <ac:inkMkLst>
+            <pc:docMk/>
+            <pc:sldMk cId="2696663503" sldId="546"/>
+            <ac:inkMk id="9" creationId="{626F82FB-988A-CA78-79A3-5547779AAB33}"/>
+          </ac:inkMkLst>
+        </pc:inkChg>
+        <pc:inkChg chg="add mod">
+          <ac:chgData name="Weifeng Xu" userId="e7aed605-a3dd-4d5a-a692-a87037af107b" providerId="ADAL" clId="{6241A617-B809-41F6-88F4-E387E9626168}" dt="2025-04-03T01:57:02.984" v="4441"/>
+          <ac:inkMkLst>
+            <pc:docMk/>
+            <pc:sldMk cId="2696663503" sldId="546"/>
+            <ac:inkMk id="11" creationId="{247628DF-31AA-96DA-510C-5F9DD8B27226}"/>
+          </ac:inkMkLst>
+        </pc:inkChg>
+        <pc:inkChg chg="add mod">
+          <ac:chgData name="Weifeng Xu" userId="e7aed605-a3dd-4d5a-a692-a87037af107b" providerId="ADAL" clId="{6241A617-B809-41F6-88F4-E387E9626168}" dt="2025-04-03T01:57:02.984" v="4441"/>
+          <ac:inkMkLst>
+            <pc:docMk/>
+            <pc:sldMk cId="2696663503" sldId="546"/>
+            <ac:inkMk id="12" creationId="{3083D0B3-C61E-4F36-7C0F-EF6EA1E814C5}"/>
+          </ac:inkMkLst>
+        </pc:inkChg>
+        <pc:inkChg chg="add mod">
+          <ac:chgData name="Weifeng Xu" userId="e7aed605-a3dd-4d5a-a692-a87037af107b" providerId="ADAL" clId="{6241A617-B809-41F6-88F4-E387E9626168}" dt="2025-04-03T01:57:02.984" v="4441"/>
+          <ac:inkMkLst>
+            <pc:docMk/>
+            <pc:sldMk cId="2696663503" sldId="546"/>
+            <ac:inkMk id="14" creationId="{D09C2B45-97EC-394E-13C0-D04B5F79D722}"/>
+          </ac:inkMkLst>
+        </pc:inkChg>
+        <pc:inkChg chg="add mod">
+          <ac:chgData name="Weifeng Xu" userId="e7aed605-a3dd-4d5a-a692-a87037af107b" providerId="ADAL" clId="{6241A617-B809-41F6-88F4-E387E9626168}" dt="2025-04-03T01:57:02.984" v="4441"/>
+          <ac:inkMkLst>
+            <pc:docMk/>
+            <pc:sldMk cId="2696663503" sldId="546"/>
+            <ac:inkMk id="15" creationId="{F060C111-48B8-68C4-CF3C-8EE1D353D134}"/>
+          </ac:inkMkLst>
+        </pc:inkChg>
+        <pc:inkChg chg="add mod">
+          <ac:chgData name="Weifeng Xu" userId="e7aed605-a3dd-4d5a-a692-a87037af107b" providerId="ADAL" clId="{6241A617-B809-41F6-88F4-E387E9626168}" dt="2025-04-03T01:57:02.984" v="4441"/>
+          <ac:inkMkLst>
+            <pc:docMk/>
+            <pc:sldMk cId="2696663503" sldId="546"/>
+            <ac:inkMk id="16" creationId="{210CA226-44C6-8853-0D4D-E90F718A4C66}"/>
+          </ac:inkMkLst>
+        </pc:inkChg>
+        <pc:inkChg chg="add mod">
+          <ac:chgData name="Weifeng Xu" userId="e7aed605-a3dd-4d5a-a692-a87037af107b" providerId="ADAL" clId="{6241A617-B809-41F6-88F4-E387E9626168}" dt="2025-04-03T01:57:02.984" v="4441"/>
+          <ac:inkMkLst>
+            <pc:docMk/>
+            <pc:sldMk cId="2696663503" sldId="546"/>
+            <ac:inkMk id="18" creationId="{B6172EC1-39BA-60C5-2209-E161E57A058A}"/>
+          </ac:inkMkLst>
+        </pc:inkChg>
+        <pc:inkChg chg="add">
+          <ac:chgData name="Weifeng Xu" userId="e7aed605-a3dd-4d5a-a692-a87037af107b" providerId="ADAL" clId="{6241A617-B809-41F6-88F4-E387E9626168}" dt="2025-04-03T01:57:48.669" v="4442" actId="9405"/>
+          <ac:inkMkLst>
+            <pc:docMk/>
+            <pc:sldMk cId="2696663503" sldId="546"/>
+            <ac:inkMk id="20" creationId="{9D088B27-6BFD-2600-AC5A-EBA484D8A378}"/>
+          </ac:inkMkLst>
+        </pc:inkChg>
       </pc:sldChg>
     </pc:docChg>
   </pc:docChgLst>
@@ -7179,6 +7331,286 @@
     </pc:docChg>
   </pc:docChgLst>
 </pc:chgInfo>
+</file>
+
+<file path=ppt/ink/ink1.xml><?xml version="1.0" encoding="utf-8"?>
+<inkml:ink xmlns:inkml="http://www.w3.org/2003/InkML">
+  <inkml:definitions>
+    <inkml:context xml:id="ctx0">
+      <inkml:inkSource xml:id="inkSrc0">
+        <inkml:traceFormat>
+          <inkml:channel name="X" type="integer" min="-2.14748E9" max="2.14748E9" units="cm"/>
+          <inkml:channel name="Y" type="integer" min="-2.14748E9" max="2.14748E9" units="cm"/>
+          <inkml:channel name="F" type="integer" max="32767" units="dev"/>
+        </inkml:traceFormat>
+        <inkml:channelProperties>
+          <inkml:channelProperty channel="X" name="resolution" value="1000" units="1/cm"/>
+          <inkml:channelProperty channel="Y" name="resolution" value="1000" units="1/cm"/>
+          <inkml:channelProperty channel="F" name="resolution" value="0" units="1/dev"/>
+        </inkml:channelProperties>
+      </inkml:inkSource>
+      <inkml:timestamp xml:id="ts0" timeString="2025-04-03T01:56:40.463"/>
+    </inkml:context>
+    <inkml:brush xml:id="br0">
+      <inkml:brushProperty name="width" value="0.05" units="cm"/>
+      <inkml:brushProperty name="height" value="0.05" units="cm"/>
+      <inkml:brushProperty name="color" value="#E71224"/>
+    </inkml:brush>
+  </inkml:definitions>
+  <inkml:trace contextRef="#ctx0" brushRef="#br0">294 115 24575,'-5'1'0,"-1"0"0,1 0 0,0 0 0,-1 1 0,1 0 0,0 0 0,0 0 0,0 1 0,-8 5 0,-41 31 0,52-38 0,-5 6 0,1 0 0,-1 0 0,1 0 0,0 0 0,-5 10 0,7-10 0,-1 0 0,0-1 0,0 1 0,0-1 0,-1 0 0,0 0 0,-8 5 0,8-5 0,1-1 0,0 1 0,1-1 0,-1 1 0,1 1 0,0-1 0,1 1 0,-1-1 0,1 1 0,0 0 0,1 0 0,-3 14 0,-8 18 0,8-27 0,2 1 0,0-1 0,0 1 0,1 0 0,0 0 0,1 14 0,6 77 0,-4-96 0,0 0 0,1 0 0,-1 0 0,2-1 0,-1 1 0,1-1 0,0 1 0,1-1 0,0 0 0,7 10 0,2-2 0,0 0 0,1-1 0,16 12 0,-3-3 0,52 34 0,-67-50 0,-1 0 0,1-1 0,0-1 0,1 0 0,-1-1 0,1 0 0,25 4 0,31 3 0,-42-6 0,-1-1 0,31 0 0,-44-3 0,1 1 0,0 0 0,-1 1 0,1 0 0,19 8 0,27 6 0,-12-7 0,0-2 0,96 2 0,-107-9 0,1 3 0,61 13 0,-59-9 0,81 6 0,-103-13 0,1 1 0,22 6 0,-23-4 0,1 0 0,21 0 0,534-3 0,-278-3 0,-264 2 0,-1-1 0,1 2 0,-1 1 0,53 10 0,-48-7 0,-1 0 0,1-3 0,0-1 0,41-4 0,5 1 0,-61 2 0,-2 1 0,-1 0 0,1-2 0,0-1 0,0 0 0,-1-1 0,0-1 0,30-10 0,-40 11 0,161-75 0,-140 62 0,0-1 0,-1-1 0,39-33 0,-65 49 0,90-84 0,-79 72 0,0-1 0,0 0 0,-2-1 0,14-23 0,-22 32 0,0-1 0,0 0 0,-1 0 0,0 0 0,0 0 0,-1-1 0,1-15 0,-6-59 0,3 77 0,0 1 0,-1-1 0,1 1 0,-1-1 0,0 1 0,0 0 0,-1 0 0,0 0 0,0 0 0,0 1 0,0-1 0,-1 1 0,0 0 0,-5-5 0,-8-6 0,-1 1 0,-25-16 0,2 2 0,21 16 0,0 0 0,0 1 0,-1 1 0,-1 2 0,0 0 0,-30-7 0,45 12 0,0 0 0,1 0 0,-1-1 0,1 1 0,0-1 0,-8-7 0,8 6 0,0 1 0,-1 0 0,1-1 0,-1 2 0,0-1 0,-8-2 0,-28-5 0,21 5 0,-41-15 0,53 18 0,-1-1 0,1 2 0,-1 0 0,0 0 0,0 1 0,-20 0 0,20 1 0,0-1 0,1 1 0,-1-2 0,1 1 0,-1-1 0,1-1 0,-14-5 0,6-1 0,-1 1 0,1 1 0,-1 0 0,0 2 0,-1 0 0,1 1 0,-1 1 0,-20 0 0,20 1 0,0 0 0,0-2 0,-36-10 0,36 8 0,-1 1 0,-1 1 0,-22-2 0,-47-5 0,60 6 0,-48-2 0,2 7-231,0-3 0,0-4 1,-83-18-1,122 19 495,-1 2 0,0 1 1,-77 5-1,26 1-398,-10-5 134,-111 4 0,130 8 0,37-4 0,-55 1 0,65-7 0,0 1 0,-54 10 0,63-6 0,3-2 0,0 2 0,-36 12 0,58-17-33,-1 0 0,1 0-1,0 1 1,-1-1 0,1 0-1,0 0 1,0 0 0,-1 0 0,1 0-1,0 1 1,-1-1 0,1 0-1,0 0 1,0 0 0,-1 1-1,1-1 1,0 0 0,0 0 0,0 1-1,-1-1 1,1 0 0,0 0-1,0 1 1,0-1 0,0 0-1,0 1 1,0-1 0,-1 0 0,1 1-1,0-1 1,0 0 0,0 1-1,0-1 1,0 0 0,0 1-1,0-1 1,0 0 0,1 1 0,-1-1-1,0 1 1</inkml:trace>
+</inkml:ink>
+</file>
+
+<file path=ppt/ink/ink10.xml><?xml version="1.0" encoding="utf-8"?>
+<inkml:ink xmlns:inkml="http://www.w3.org/2003/InkML">
+  <inkml:definitions>
+    <inkml:context xml:id="ctx0">
+      <inkml:inkSource xml:id="inkSrc0">
+        <inkml:traceFormat>
+          <inkml:channel name="X" type="integer" min="-2.14748E9" max="2.14748E9" units="cm"/>
+          <inkml:channel name="Y" type="integer" min="-2.14748E9" max="2.14748E9" units="cm"/>
+          <inkml:channel name="F" type="integer" max="32767" units="dev"/>
+        </inkml:traceFormat>
+        <inkml:channelProperties>
+          <inkml:channelProperty channel="X" name="resolution" value="1000" units="1/cm"/>
+          <inkml:channelProperty channel="Y" name="resolution" value="1000" units="1/cm"/>
+          <inkml:channelProperty channel="F" name="resolution" value="0" units="1/dev"/>
+        </inkml:channelProperties>
+      </inkml:inkSource>
+      <inkml:timestamp xml:id="ts0" timeString="2025-04-03T01:57:48.666"/>
+    </inkml:context>
+    <inkml:brush xml:id="br0">
+      <inkml:brushProperty name="width" value="0.05" units="cm"/>
+      <inkml:brushProperty name="height" value="0.05" units="cm"/>
+      <inkml:brushProperty name="color" value="#E71224"/>
+    </inkml:brush>
+  </inkml:definitions>
+  <inkml:trace contextRef="#ctx0" brushRef="#br0">1 1 24575,'0'0'-8191</inkml:trace>
+</inkml:ink>
+</file>
+
+<file path=ppt/ink/ink2.xml><?xml version="1.0" encoding="utf-8"?>
+<inkml:ink xmlns:inkml="http://www.w3.org/2003/InkML">
+  <inkml:definitions>
+    <inkml:context xml:id="ctx0">
+      <inkml:inkSource xml:id="inkSrc0">
+        <inkml:traceFormat>
+          <inkml:channel name="X" type="integer" min="-2.14748E9" max="2.14748E9" units="cm"/>
+          <inkml:channel name="Y" type="integer" min="-2.14748E9" max="2.14748E9" units="cm"/>
+          <inkml:channel name="F" type="integer" max="32767" units="dev"/>
+        </inkml:traceFormat>
+        <inkml:channelProperties>
+          <inkml:channelProperty channel="X" name="resolution" value="1000" units="1/cm"/>
+          <inkml:channelProperty channel="Y" name="resolution" value="1000" units="1/cm"/>
+          <inkml:channelProperty channel="F" name="resolution" value="0" units="1/dev"/>
+        </inkml:channelProperties>
+      </inkml:inkSource>
+      <inkml:timestamp xml:id="ts0" timeString="2025-04-03T01:56:42.975"/>
+    </inkml:context>
+    <inkml:brush xml:id="br0">
+      <inkml:brushProperty name="width" value="0.05" units="cm"/>
+      <inkml:brushProperty name="height" value="0.05" units="cm"/>
+      <inkml:brushProperty name="color" value="#E71224"/>
+    </inkml:brush>
+  </inkml:definitions>
+  <inkml:trace contextRef="#ctx0" brushRef="#br0">626 336 24575,'-17'1'0,"1"0"0,-31 8 0,30-5 0,-1-1 0,-22 1 0,17-2 0,1 2 0,0 0 0,0 1 0,0 1 0,-35 15 0,-5 2 0,57-21 0,0 0 0,1 0 0,-1 1 0,1-1 0,0 1 0,0 0 0,0 1 0,0-1 0,-4 6 0,5-6 0,0 0 0,0 0 0,-1 0 0,1 0 0,-1 0 0,1-1 0,-1 1 0,0-1 0,0 0 0,0 0 0,0-1 0,0 1 0,-9 1 0,10-3 0,-1 1 0,1-1 0,-1 1 0,1 0 0,0 0 0,-1 0 0,1 0 0,0 1 0,0-1 0,0 1 0,0 0 0,0 0 0,0 0 0,-4 5 0,3-2 0,1 0 0,0 0 0,0 1 0,0 0 0,0-1 0,1 1 0,-2 11 0,-5 10 0,1 1 0,-8 40 0,7-19 0,4-26 0,1 0 0,-1 38 0,5-50 0,0 0 0,1 0 0,0-1 0,0 1 0,2 0 0,-1 0 0,1-1 0,1 1 0,0-1 0,0 0 0,1 0 0,0 0 0,1-1 0,0 0 0,1 0 0,0-1 0,0 1 0,0-1 0,1-1 0,1 1 0,-1-2 0,1 1 0,0-1 0,17 8 0,40 33 0,-36-33 0,-2 1 0,28 20 0,-41-25 0,0 0 0,0-1 0,1-1 0,1 0 0,-1-1 0,1-1 0,0-1 0,0 0 0,31 4 0,-29-5 0,0 0 0,0 2 0,-1 0 0,32 16 0,-31-13 0,0-1 0,1 0 0,0-2 0,22 5 0,60 10 0,-69-13 0,1-1 0,0-2 0,52 2 0,3-9 0,112 4 0,-141 8 0,-44-6 0,1-1 0,24 2 0,33-5 0,-44-1 0,0 1 0,0 1 0,0 2 0,30 7 0,-34-5 0,1-1 0,51 0 0,9 1 0,-15 4-248,0-3 0,136-8 0,-181-2 450,47-13 0,16-3 138,-27 17-340,-42 2 0,38-5 0,-52 5 0,0-1 0,0 0 0,-1 0 0,1-1 0,-1 0 0,1 0 0,-1 0 0,0-1 0,8-6 0,3-3 0,-11 9 0,0 0 0,-1-1 0,1 0 0,-1 0 0,0 0 0,0-1 0,-1 0 0,1 0 0,-1 0 0,4-9 0,11-23 0,2 2 0,34-47 0,-37 57 0,7-17 0,-19 32 0,0 0 0,1 0 0,13-16 0,9-8 0,-17 19 0,27-26 0,-35 38 0,1 0 0,0 1 0,-1-1 0,2 1 0,-1 0 0,0 0 0,0 1 0,1-1 0,0 1 0,9-2 0,-7 2 0,0 0 0,0 0 0,-1-1 0,1 0 0,-1 0 0,1-1 0,-1 1 0,0-2 0,-1 1 0,1-1 0,-1 0 0,0-1 0,0 1 0,0-1 0,-1 0 0,0-1 0,0 1 0,-1-1 0,1 0 0,-2 0 0,1-1 0,-1 1 0,0-1 0,0 0 0,-1 1 0,0-1 0,-1 0 0,1 0 0,-1-11 0,-3-206 0,1 217 0,-1 1 0,0-1 0,0 0 0,-1 1 0,0-1 0,0 1 0,-8-12 0,-35-50 0,35 54 0,-3-3 0,0 0 0,-1 1 0,0 1 0,-19-16 0,9 12 0,-56-45 0,70 58 0,0 1 0,0 1 0,-1-1 0,0 2 0,0 0 0,-22-5 0,-3-1 0,15 3 0,-4-1 0,-40-7 0,20 6 0,26 5 0,1 0 0,-29-1 0,18 3 0,-44-9 0,22 3 0,0 0 0,13 2 0,-71-3 0,-271 10-2981,-192-1 4507,212 0-71,322 4-2820,24 1-5461</inkml:trace>
+</inkml:ink>
+</file>
+
+<file path=ppt/ink/ink3.xml><?xml version="1.0" encoding="utf-8"?>
+<inkml:ink xmlns:inkml="http://www.w3.org/2003/InkML">
+  <inkml:definitions>
+    <inkml:context xml:id="ctx0">
+      <inkml:inkSource xml:id="inkSrc0">
+        <inkml:traceFormat>
+          <inkml:channel name="X" type="integer" min="-2.14748E9" max="2.14748E9" units="cm"/>
+          <inkml:channel name="Y" type="integer" min="-2.14748E9" max="2.14748E9" units="cm"/>
+          <inkml:channel name="F" type="integer" max="32767" units="dev"/>
+        </inkml:traceFormat>
+        <inkml:channelProperties>
+          <inkml:channelProperty channel="X" name="resolution" value="1000" units="1/cm"/>
+          <inkml:channelProperty channel="Y" name="resolution" value="1000" units="1/cm"/>
+          <inkml:channelProperty channel="F" name="resolution" value="0" units="1/dev"/>
+        </inkml:channelProperties>
+      </inkml:inkSource>
+      <inkml:timestamp xml:id="ts0" timeString="2025-04-03T01:56:47.640"/>
+    </inkml:context>
+    <inkml:brush xml:id="br0">
+      <inkml:brushProperty name="width" value="0.05" units="cm"/>
+      <inkml:brushProperty name="height" value="0.05" units="cm"/>
+      <inkml:brushProperty name="color" value="#E71224"/>
+    </inkml:brush>
+  </inkml:definitions>
+  <inkml:trace contextRef="#ctx0" brushRef="#br0">1 2 24575,'42'-1'0,"-8"0"0,-1 2 0,0 0 0,57 12 0,-65-9 0,40 3 0,-39-5 0,36 7 0,-28-2 0,-22-6 0,-1 1 0,0 1 0,14 5 0,-21-7 0,0 1 0,0 0 0,-1 0 0,1 1 0,-1-1 0,1 1 0,-1-1 0,0 1 0,0 0 0,0 0 0,-1 1 0,5 6 0,-1 0 0,1 0 0,0-1 0,0 0 0,1 0 0,0 0 0,0-1 0,1 0 0,18 11 0,-21-13 0,1-1 0,-1 1 0,-1 0 0,1 1 0,-1-1 0,0 1 0,5 9 0,-4-7 0,0 0 0,0 0 0,0-1 0,10 9 0,-9-10 0,-1 0 0,-1 0 0,1 0 0,-1 1 0,-1 0 0,1 0 0,3 10 0,-4-9 0,0-1 0,0 1 0,1-1 0,0 0 0,0-1 0,9 10 0,8 7 0,-2 0 0,0 2 0,23 40 0,-39-57 0,1 0 0,-1 1 0,-1 0 0,5 14 0,-5-13 0,0 1 0,1-1 0,7 13 0,18 26 0,-18-34 0,0 2 0,-2 0 0,0 0 0,0 0 0,-2 1 0,10 39 0,-9-21 0,19 58 0,-15-58 0,10 54 0,-13-45 0,-4-19 0,-1 1 0,2 39 0,-6-55 0,1 13 0,-1-1 0,-1 1 0,-1 0 0,-1-1 0,-1 1 0,-1-1 0,-11 29 0,7-30 0,2 0 0,0 1 0,1-1 0,-4 47 0,9-60 0,0 0 0,-1 0 0,0-1 0,0 1 0,-1 0 0,0-1 0,-1 0 0,0 0 0,-1 0 0,1 0 0,-2-1 0,1 0 0,-13 14 0,8-10 0,0 1 0,1-1 0,0 2 0,1-1 0,-9 22 0,-3 4 0,6-14 0,-2-2 0,0 0 0,-2-1 0,-36 36 0,24-26 0,22-23 0,0 1 0,-1-2 0,-19 15 0,19-15 0,-1 1 0,1-1 0,0 1 0,1 1 0,-10 13 0,10-12 0,0-1 0,-1 1 0,-1-2 0,-13 12 0,-117 91 0,69-51 0,46-38 0,-1-2 0,0 0 0,-38 21 0,17-18 0,19-10 0,-36 23 0,53-29-117,-13 9-507,-41 22 0,51-34-6202</inkml:trace>
+</inkml:ink>
+</file>
+
+<file path=ppt/ink/ink4.xml><?xml version="1.0" encoding="utf-8"?>
+<inkml:ink xmlns:inkml="http://www.w3.org/2003/InkML">
+  <inkml:definitions>
+    <inkml:context xml:id="ctx0">
+      <inkml:inkSource xml:id="inkSrc0">
+        <inkml:traceFormat>
+          <inkml:channel name="X" type="integer" min="-2.14748E9" max="2.14748E9" units="cm"/>
+          <inkml:channel name="Y" type="integer" min="-2.14748E9" max="2.14748E9" units="cm"/>
+          <inkml:channel name="F" type="integer" max="32767" units="dev"/>
+        </inkml:traceFormat>
+        <inkml:channelProperties>
+          <inkml:channelProperty channel="X" name="resolution" value="1000" units="1/cm"/>
+          <inkml:channelProperty channel="Y" name="resolution" value="1000" units="1/cm"/>
+          <inkml:channelProperty channel="F" name="resolution" value="0" units="1/dev"/>
+        </inkml:channelProperties>
+      </inkml:inkSource>
+      <inkml:timestamp xml:id="ts0" timeString="2025-04-03T01:56:53.607"/>
+    </inkml:context>
+    <inkml:brush xml:id="br0">
+      <inkml:brushProperty name="width" value="0.05" units="cm"/>
+      <inkml:brushProperty name="height" value="0.05" units="cm"/>
+      <inkml:brushProperty name="color" value="#E71224"/>
+    </inkml:brush>
+  </inkml:definitions>
+  <inkml:trace contextRef="#ctx0" brushRef="#br0">1 49 24575,'1'7'0,"0"0"0,1 0 0,-1-1 0,2 1 0,-1-1 0,1 0 0,0 0 0,0 0 0,1 0 0,-1 0 0,1-1 0,9 10 0,-6-7 0,0 1 0,-1 0 0,10 19 0,-8-7 0,-1-1 0,-1 1 0,7 41 0,7 41 0,-37-137 0,10 11 0,1 1 0,1-1 0,0 0 0,2 0 0,0-44 0,3 48 0,-1 11 0,1 0 0,0 0 0,1 0 0,0 0 0,2-11 0,-2 17 0,0 0 0,-1 0 0,1 0 0,0 0 0,0 0 0,0 1 0,1-1 0,-1 0 0,0 0 0,1 1 0,-1-1 0,1 1 0,-1 0 0,1-1 0,0 1 0,0 0 0,0 0 0,-1 0 0,1 0 0,0 0 0,0 0 0,0 1 0,0-1 0,5 0 0,2-1 0,0 1 0,0 0 0,0 0 0,1 1 0,-1 1 0,15 1 0,-20-1 0,-1 0 0,1 0 0,-1 0 0,1 0 0,-1 1 0,1-1 0,-1 1 0,0 0 0,0 0 0,0 0 0,0 1 0,0-1 0,0 1 0,-1 0 0,1-1 0,-1 1 0,0 0 0,3 6 0,6 11 0,-1-5 0,-2 1 0,0 0 0,-1 1 0,-1-1 0,5 21 0,0 5 0,-6-20 0,-11-44 0,-3-8 0,2-1 0,1 0 0,1 0 0,1-1 0,2 1 0,3-47 0,-1 76 0,0 0 0,1 0 0,-1 0 0,0 0 0,1 0 0,-1 0 0,1 0 0,0 0 0,-1 0 0,1 0 0,0 0 0,0 0 0,1 0 0,-1 1 0,0-1 0,0 0 0,1 1 0,-1-1 0,1 1 0,-1 0 0,1-1 0,0 1 0,0 0 0,-1 0 0,1 0 0,0 0 0,0 0 0,0 1 0,0-1 0,0 1 0,0-1 0,0 1 0,0 0 0,0-1 0,1 1 0,-1 0 0,0 0 0,0 1 0,0-1 0,3 1 0,1 0 0,1 1 0,-1 0 0,1 0 0,-1 0 0,0 1 0,1 0 0,-1 0 0,-1 0 0,1 1 0,0 0 0,6 6 0,13 13 0,-17-16 0,1 1 0,-1 0 0,-1 0 0,0 1 0,8 11 0,-12-14-65,1 0 0,-1-1 0,1 0 0,0 1 0,0-1 0,0-1 0,1 1 0,-1-1 0,1 0 0,0 0 0,1 0 0,-1 0 0,0-1 0,1 0 0,0 0 0,0-1 0,0 0 0,0 0 0,0 0 0,12 1 0,0-1-6761</inkml:trace>
+</inkml:ink>
+</file>
+
+<file path=ppt/ink/ink5.xml><?xml version="1.0" encoding="utf-8"?>
+<inkml:ink xmlns:inkml="http://www.w3.org/2003/InkML">
+  <inkml:definitions>
+    <inkml:context xml:id="ctx0">
+      <inkml:inkSource xml:id="inkSrc0">
+        <inkml:traceFormat>
+          <inkml:channel name="X" type="integer" min="-2.14748E9" max="2.14748E9" units="cm"/>
+          <inkml:channel name="Y" type="integer" min="-2.14748E9" max="2.14748E9" units="cm"/>
+          <inkml:channel name="F" type="integer" max="32767" units="dev"/>
+        </inkml:traceFormat>
+        <inkml:channelProperties>
+          <inkml:channelProperty channel="X" name="resolution" value="1000" units="1/cm"/>
+          <inkml:channelProperty channel="Y" name="resolution" value="1000" units="1/cm"/>
+          <inkml:channelProperty channel="F" name="resolution" value="0" units="1/dev"/>
+        </inkml:channelProperties>
+      </inkml:inkSource>
+      <inkml:timestamp xml:id="ts0" timeString="2025-04-03T01:56:54.975"/>
+    </inkml:context>
+    <inkml:brush xml:id="br0">
+      <inkml:brushProperty name="width" value="0.05" units="cm"/>
+      <inkml:brushProperty name="height" value="0.05" units="cm"/>
+      <inkml:brushProperty name="color" value="#E71224"/>
+    </inkml:brush>
+  </inkml:definitions>
+  <inkml:trace contextRef="#ctx0" brushRef="#br0">96 38 24575,'0'-1'0,"0"-1"0,0 1 0,0-1 0,0 1 0,0 0 0,0-1 0,0 1 0,-1-1 0,1 1 0,-1 0 0,1-1 0,-1 1 0,1 0 0,-1-1 0,0 1 0,1 0 0,-1 0 0,0 0 0,0 0 0,0 0 0,0 0 0,0 0 0,0 0 0,0 0 0,-1 0 0,1 0 0,0 1 0,0-1 0,-1 1 0,1-1 0,0 1 0,-1-1 0,1 1 0,0-1 0,-1 1 0,1 0 0,-1 0 0,1 0 0,0 0 0,-3 0 0,1 1 0,1-1 0,-1 1 0,1-1 0,0 1 0,0 0 0,-1 0 0,1 0 0,0 0 0,0 0 0,0 0 0,0 1 0,0-1 0,0 1 0,0-1 0,0 1 0,1 0 0,-1 0 0,1-1 0,-1 1 0,1 0 0,0 1 0,0-1 0,0 0 0,-1 3 0,-2 15 0,1 1 0,0-1 0,2 1 0,1-1 0,4 37 0,-1 8 0,-3-54 0,0 1 0,1 0 0,0 0 0,5 14 0,-6-24 0,0 0 0,1 0 0,-1-1 0,1 1 0,-1 0 0,1-1 0,0 1 0,-1-1 0,1 1 0,0-1 0,0 1 0,0-1 0,0 0 0,0 1 0,1-1 0,-1 0 0,0 0 0,1 0 0,-1 0 0,0 0 0,1 0 0,-1 0 0,1 0 0,0 0 0,-1-1 0,1 1 0,0-1 0,-1 1 0,1-1 0,0 0 0,-1 0 0,1 0 0,0 1 0,0-2 0,-1 1 0,1 0 0,0 0 0,-1-1 0,4 0 0,-2 0 0,1-1 0,0 0 0,0 0 0,-1 0 0,1-1 0,-1 1 0,0-1 0,1 0 0,-1 0 0,-1 0 0,1 0 0,0 0 0,-1-1 0,1 1 0,-1-1 0,3-7 0,-2 3 0,1-1 0,-1 1 0,-1-1 0,0 0 0,0 1 0,1-18 0,-3-32 0,1 58 0,0 1 0,0-1 0,0 0 0,0 1 0,0-1 0,0 1 0,0-1 0,0 1 0,0-1 0,0 1 0,0 0 0,-1-1 0,1 1 0,0 0 0,0 0 0,-1 0 0,1-1 0,-1 1 0,2 2 0,21 25 0,-8-7-227,-1 2-1,-1-1 1,-1 2-1,-2-1 1,13 40-1,-20-47-6598</inkml:trace>
+</inkml:ink>
+</file>
+
+<file path=ppt/ink/ink6.xml><?xml version="1.0" encoding="utf-8"?>
+<inkml:ink xmlns:inkml="http://www.w3.org/2003/InkML">
+  <inkml:definitions>
+    <inkml:context xml:id="ctx0">
+      <inkml:inkSource xml:id="inkSrc0">
+        <inkml:traceFormat>
+          <inkml:channel name="X" type="integer" min="-2.14748E9" max="2.14748E9" units="cm"/>
+          <inkml:channel name="Y" type="integer" min="-2.14748E9" max="2.14748E9" units="cm"/>
+          <inkml:channel name="F" type="integer" max="32767" units="dev"/>
+        </inkml:traceFormat>
+        <inkml:channelProperties>
+          <inkml:channelProperty channel="X" name="resolution" value="1000" units="1/cm"/>
+          <inkml:channelProperty channel="Y" name="resolution" value="1000" units="1/cm"/>
+          <inkml:channelProperty channel="F" name="resolution" value="0" units="1/dev"/>
+        </inkml:channelProperties>
+      </inkml:inkSource>
+      <inkml:timestamp xml:id="ts0" timeString="2025-04-03T01:56:56.592"/>
+    </inkml:context>
+    <inkml:brush xml:id="br0">
+      <inkml:brushProperty name="width" value="0.05" units="cm"/>
+      <inkml:brushProperty name="height" value="0.05" units="cm"/>
+      <inkml:brushProperty name="color" value="#E71224"/>
+    </inkml:brush>
+  </inkml:definitions>
+  <inkml:trace contextRef="#ctx0" brushRef="#br0">0 67 24575,'4'0'0,"1"-4"0,3-1 0,5 0 0,0-3 0,1 1 0,2 0 0,3 2 0,1 2 0,1 1 0,1 2 0,-3-4 0,-1-1 0,0 1 0,1 0 0,0 2 0,-2 0-8191</inkml:trace>
+</inkml:ink>
+</file>
+
+<file path=ppt/ink/ink7.xml><?xml version="1.0" encoding="utf-8"?>
+<inkml:ink xmlns:inkml="http://www.w3.org/2003/InkML">
+  <inkml:definitions>
+    <inkml:context xml:id="ctx0">
+      <inkml:inkSource xml:id="inkSrc0">
+        <inkml:traceFormat>
+          <inkml:channel name="X" type="integer" min="-2.14748E9" max="2.14748E9" units="cm"/>
+          <inkml:channel name="Y" type="integer" min="-2.14748E9" max="2.14748E9" units="cm"/>
+          <inkml:channel name="F" type="integer" max="32767" units="dev"/>
+        </inkml:traceFormat>
+        <inkml:channelProperties>
+          <inkml:channelProperty channel="X" name="resolution" value="1000" units="1/cm"/>
+          <inkml:channelProperty channel="Y" name="resolution" value="1000" units="1/cm"/>
+          <inkml:channelProperty channel="F" name="resolution" value="0" units="1/dev"/>
+        </inkml:channelProperties>
+      </inkml:inkSource>
+      <inkml:timestamp xml:id="ts0" timeString="2025-04-03T01:56:57.420"/>
+    </inkml:context>
+    <inkml:brush xml:id="br0">
+      <inkml:brushProperty name="width" value="0.05" units="cm"/>
+      <inkml:brushProperty name="height" value="0.05" units="cm"/>
+      <inkml:brushProperty name="color" value="#E71224"/>
+    </inkml:brush>
+  </inkml:definitions>
+  <inkml:trace contextRef="#ctx0" brushRef="#br0">2 1 24575,'-2'72'0,"4"79"0,3-121 0,1 0 0,18 56 0,-13-52 0,10 53 0,-18-72 0,1 0 0,10 26 0,-9-29 0,-1-1 0,0 1 0,-1 0 0,0 0 0,1 15 0,-4-24 0,3 31 0,-3-33 0,0 1 0,0-1 0,0 0 0,1 1 0,-1-1 0,0 0 0,1 1 0,-1-1 0,1 0 0,-1 1 0,1-1 0,0 0 0,-1 0 0,1 0 0,0 1 0,0-1 0,0 0 0,1 1 0,-1-4 0,0 0 0,0 0 0,0 0 0,0 0 0,0-1 0,0 1 0,-1 0 0,1 0 0,-1-1 0,0 1 0,0 0 0,0-5 0,0 7 0,1-21-1365,-1 1-5461</inkml:trace>
+</inkml:ink>
+</file>
+
+<file path=ppt/ink/ink8.xml><?xml version="1.0" encoding="utf-8"?>
+<inkml:ink xmlns:inkml="http://www.w3.org/2003/InkML">
+  <inkml:definitions>
+    <inkml:context xml:id="ctx0">
+      <inkml:inkSource xml:id="inkSrc0">
+        <inkml:traceFormat>
+          <inkml:channel name="X" type="integer" min="-2.14748E9" max="2.14748E9" units="cm"/>
+          <inkml:channel name="Y" type="integer" min="-2.14748E9" max="2.14748E9" units="cm"/>
+          <inkml:channel name="F" type="integer" max="32767" units="dev"/>
+        </inkml:traceFormat>
+        <inkml:channelProperties>
+          <inkml:channelProperty channel="X" name="resolution" value="1000" units="1/cm"/>
+          <inkml:channelProperty channel="Y" name="resolution" value="1000" units="1/cm"/>
+          <inkml:channelProperty channel="F" name="resolution" value="0" units="1/dev"/>
+        </inkml:channelProperties>
+      </inkml:inkSource>
+      <inkml:timestamp xml:id="ts0" timeString="2025-04-03T01:56:58.539"/>
+    </inkml:context>
+    <inkml:brush xml:id="br0">
+      <inkml:brushProperty name="width" value="0.05" units="cm"/>
+      <inkml:brushProperty name="height" value="0.05" units="cm"/>
+      <inkml:brushProperty name="color" value="#E71224"/>
+    </inkml:brush>
+  </inkml:definitions>
+  <inkml:trace contextRef="#ctx0" brushRef="#br0">45 14 24575,'0'0'0,"1"0"0,-1 0 0,0 0 0,1 0 0,-1 0 0,0 0 0,0 0 0,1 0 0,-1 0 0,0 0 0,0 0 0,1 0 0,-1 0 0,0 0 0,1 0 0,-1-1 0,0 1 0,0 0 0,1 0 0,-1 0 0,0 0 0,0 0 0,0-1 0,1 1 0,-1 0 0,0 0 0,0 0 0,0-1 0,0 1 0,1 0 0,-1 0 0,0-1 0,0 1 0,0 0 0,0 0 0,0-1 0,0 1 0,0 0 0,0 0 0,0-1 0,1 1 0,-1 0 0,0 0 0,0-1 0,-1 1 0,1 0 0,0-1 0,0 1 0,0 0 0,0 0 0,0-1 0,0 1 0,0 0 0,0 0 0,0-1 0,-1 1 0,1-1 0,0 1 0,-1 0 0,1 0 0,0-1 0,-1 1 0,1 0 0,0 0 0,-1 0 0,1-1 0,0 1 0,-1 0 0,1 0 0,-1 0 0,1 0 0,0 0 0,-1 0 0,1 0 0,-1 0 0,1 0 0,0 0 0,-1 0 0,1 0 0,-1 0 0,1 0 0,0 0 0,-1 0 0,1 0 0,0 0 0,-1 1 0,1-1 0,0 0 0,-1 0 0,1 0 0,0 1 0,-1-1 0,1 0 0,0 1 0,-1-1 0,1 0 0,0 0 0,0 1 0,-1-1 0,1 0 0,0 1 0,0-1 0,0 1 0,-6 10 0,1 0 0,0 1 0,1 0 0,0-1 0,1 1 0,0 1 0,1-1 0,-1 13 0,2-16 0,1 0 0,-1 0 0,2 0 0,-1-1 0,1 1 0,1 0 0,-1-1 0,1 1 0,5 11 0,-5-16 0,0-1 0,0 1 0,0-1 0,0 1 0,0-1 0,1 0 0,0 0 0,-1 0 0,1 0 0,0-1 0,1 1 0,-1-1 0,0 1 0,1-1 0,-1 0 0,1-1 0,0 1 0,-1-1 0,1 1 0,0-1 0,0 0 0,7 0 0,40 6-1365,-41-7-5461</inkml:trace>
+</inkml:ink>
+</file>
+
+<file path=ppt/ink/ink9.xml><?xml version="1.0" encoding="utf-8"?>
+<inkml:ink xmlns:inkml="http://www.w3.org/2003/InkML">
+  <inkml:definitions>
+    <inkml:context xml:id="ctx0">
+      <inkml:inkSource xml:id="inkSrc0">
+        <inkml:traceFormat>
+          <inkml:channel name="X" type="integer" min="-2.14748E9" max="2.14748E9" units="cm"/>
+          <inkml:channel name="Y" type="integer" min="-2.14748E9" max="2.14748E9" units="cm"/>
+          <inkml:channel name="F" type="integer" max="32767" units="dev"/>
+        </inkml:traceFormat>
+        <inkml:channelProperties>
+          <inkml:channelProperty channel="X" name="resolution" value="1000" units="1/cm"/>
+          <inkml:channelProperty channel="Y" name="resolution" value="1000" units="1/cm"/>
+          <inkml:channelProperty channel="F" name="resolution" value="0" units="1/dev"/>
+        </inkml:channelProperties>
+      </inkml:inkSource>
+      <inkml:timestamp xml:id="ts0" timeString="2025-04-03T01:57:02.029"/>
+    </inkml:context>
+    <inkml:brush xml:id="br0">
+      <inkml:brushProperty name="width" value="0.05" units="cm"/>
+      <inkml:brushProperty name="height" value="0.05" units="cm"/>
+      <inkml:brushProperty name="color" value="#E71224"/>
+    </inkml:brush>
+  </inkml:definitions>
+  <inkml:trace contextRef="#ctx0" brushRef="#br0">0 1 24575,'1'21'0,"0"1"0,1-1 0,8 34 0,-2-1 0,-7-42 0,0-1 0,1 0 0,0 1 0,1-1 0,0 0 0,8 17 0,-5-15 0,-2 0 0,1 0 0,-2 1 0,0 0 0,0-1 0,1 26 0,5 28 0,-3-26 0,-2 1 0,-1 0 0,-6 69 0,1-21 0,2-81 0,1-7 0,-1 1 0,0-1 0,1 0 0,-1 1 0,-1-1 0,1 0 0,0 1 0,0-1 0,-1 0 0,1 1 0,-1-1 0,0 0 0,-1 3 0,2-5 0,0 0 0,0 0 0,-1 0 0,1 0 0,0 0 0,0 1 0,0-1 0,0 0 0,0 0 0,-1 0 0,1 0 0,0 0 0,0 0 0,0 0 0,0 0 0,0 0 0,-1 0 0,1 0 0,0 0 0,0 0 0,0 0 0,0 0 0,-1 0 0,1 0 0,0 0 0,0 0 0,0-1 0,0 1 0,0 0 0,-1 0 0,1 0 0,0 0 0,0 0 0,0 0 0,0 0 0,0 0 0,0-1 0,0 1 0,-1 0 0,1 0 0,0 0 0,0 0 0,0 0 0,0-1 0,0 1 0,0 0 0,-5-13 0,0-12 0,4 18 0,-1-8 0,1 0 0,0 0 0,3-28 0,-2 40 0,1-1 0,0 1 0,-1 0 0,1 0 0,0-1 0,0 1 0,1 0 0,-1 0 0,1 0 0,-1 0 0,1 0 0,0 0 0,0 1 0,0-1 0,1 1 0,-1-1 0,1 1 0,-1 0 0,1 0 0,0 0 0,-1 0 0,1 0 0,4-1 0,30-16 0,-30 14 0,0 1 0,0 1 0,0-1 0,0 1 0,15-4 0,-19 7 0,0-1 0,0 1 0,-1 0 0,1 0 0,0 0 0,0 1 0,-1-1 0,1 1 0,0-1 0,-1 1 0,1 0 0,-1 0 0,1 0 0,-1 0 0,1 1 0,-1-1 0,0 1 0,0-1 0,1 1 0,-1 0 0,3 4 0,0 0 0,-1 0 0,0 1 0,0 0 0,0 0 0,-1 0 0,0 0 0,0 0 0,-1 1 0,0-1 0,1 11 0,-1-8 0,1-1 0,-1 1 0,1-1 0,1 0 0,0 0 0,6 10 0,-5-10 0,-1 0 0,0 0 0,0 0 0,-1 1 0,0 0 0,0-1 0,0 12 0,-1-10 0,1 0 0,0 0 0,0 0 0,1-1 0,7 15 0,-4-16 106,-6-9-146,-1 0-1,0 0 0,1 0 0,-1 0 0,0 0 0,0-1 0,1 1 0,-1 0 1,0 0-1,0 0 0,1 0 0,-1 0 0,0-1 0,0 1 0,0 0 0,1 0 1,-1 0-1,0 0 0,0-1 0,0 1 0,0 0 0,1 0 0,-1-1 0,0 1 1,0 0-1,0 0 0,0-1 0,0 1 0,0 0 0,0 0 0,0-1 0,0 1 1,0 0-1,0-1 0,0 1 0,2-10-6785</inkml:trace>
+</inkml:ink>
 </file>
 
 <file path=ppt/notesMasters/notesMaster1.xml><?xml version="1.0" encoding="utf-8"?>
@@ -7263,7 +7695,7 @@
           <a:p>
             <a:fld id="{EE41F6E3-57F9-402E-BDBA-5B2DE11C8530}" type="datetimeFigureOut">
               <a:rPr lang="en-US" smtClean="0"/>
-              <a:t>12/30/2024</a:t>
+              <a:t>4/2/2025</a:t>
             </a:fld>
             <a:endParaRPr lang="en-US"/>
           </a:p>
@@ -8005,7 +8437,7 @@
           <a:p>
             <a:fld id="{DDBF98C7-164A-4723-84F0-B1E4B080DDEC}" type="slidenum">
               <a:rPr lang="en-US" smtClean="0"/>
-              <a:t>10</a:t>
+              <a:t>12</a:t>
             </a:fld>
             <a:endParaRPr lang="en-US"/>
           </a:p>
@@ -8092,7 +8524,7 @@
           <a:p>
             <a:fld id="{DDBF98C7-164A-4723-84F0-B1E4B080DDEC}" type="slidenum">
               <a:rPr lang="en-US" smtClean="0"/>
-              <a:t>19</a:t>
+              <a:t>21</a:t>
             </a:fld>
             <a:endParaRPr lang="en-US"/>
           </a:p>
@@ -8199,7 +8631,7 @@
           <a:p>
             <a:fld id="{DDBF98C7-164A-4723-84F0-B1E4B080DDEC}" type="slidenum">
               <a:rPr lang="en-US" smtClean="0"/>
-              <a:t>25</a:t>
+              <a:t>27</a:t>
             </a:fld>
             <a:endParaRPr lang="en-US"/>
           </a:p>
@@ -8292,7 +8724,7 @@
           <a:p>
             <a:fld id="{DDBF98C7-164A-4723-84F0-B1E4B080DDEC}" type="slidenum">
               <a:rPr lang="en-US" smtClean="0"/>
-              <a:t>28</a:t>
+              <a:t>30</a:t>
             </a:fld>
             <a:endParaRPr lang="en-US"/>
           </a:p>
@@ -8440,7 +8872,7 @@
           <a:p>
             <a:fld id="{4263717A-E3C1-4BED-ABE0-B7069385E023}" type="datetimeFigureOut">
               <a:rPr lang="en-US" smtClean="0"/>
-              <a:t>12/30/2024</a:t>
+              <a:t>4/2/2025</a:t>
             </a:fld>
             <a:endParaRPr lang="en-US"/>
           </a:p>
@@ -8613,7 +9045,7 @@
           <a:p>
             <a:fld id="{4263717A-E3C1-4BED-ABE0-B7069385E023}" type="datetimeFigureOut">
               <a:rPr lang="en-US" smtClean="0"/>
-              <a:t>12/30/2024</a:t>
+              <a:t>4/2/2025</a:t>
             </a:fld>
             <a:endParaRPr lang="en-US"/>
           </a:p>
@@ -8791,7 +9223,7 @@
           <a:p>
             <a:fld id="{4263717A-E3C1-4BED-ABE0-B7069385E023}" type="datetimeFigureOut">
               <a:rPr lang="en-US" smtClean="0"/>
-              <a:t>12/30/2024</a:t>
+              <a:t>4/2/2025</a:t>
             </a:fld>
             <a:endParaRPr lang="en-US"/>
           </a:p>
@@ -8959,7 +9391,7 @@
           <a:p>
             <a:fld id="{4263717A-E3C1-4BED-ABE0-B7069385E023}" type="datetimeFigureOut">
               <a:rPr lang="en-US" smtClean="0"/>
-              <a:t>12/30/2024</a:t>
+              <a:t>4/2/2025</a:t>
             </a:fld>
             <a:endParaRPr lang="en-US"/>
           </a:p>
@@ -9204,7 +9636,7 @@
           <a:p>
             <a:fld id="{4263717A-E3C1-4BED-ABE0-B7069385E023}" type="datetimeFigureOut">
               <a:rPr lang="en-US" smtClean="0"/>
-              <a:t>12/30/2024</a:t>
+              <a:t>4/2/2025</a:t>
             </a:fld>
             <a:endParaRPr lang="en-US"/>
           </a:p>
@@ -9433,7 +9865,7 @@
           <a:p>
             <a:fld id="{4263717A-E3C1-4BED-ABE0-B7069385E023}" type="datetimeFigureOut">
               <a:rPr lang="en-US" smtClean="0"/>
-              <a:t>12/30/2024</a:t>
+              <a:t>4/2/2025</a:t>
             </a:fld>
             <a:endParaRPr lang="en-US"/>
           </a:p>
@@ -9797,7 +10229,7 @@
           <a:p>
             <a:fld id="{4263717A-E3C1-4BED-ABE0-B7069385E023}" type="datetimeFigureOut">
               <a:rPr lang="en-US" smtClean="0"/>
-              <a:t>12/30/2024</a:t>
+              <a:t>4/2/2025</a:t>
             </a:fld>
             <a:endParaRPr lang="en-US"/>
           </a:p>
@@ -9914,7 +10346,7 @@
           <a:p>
             <a:fld id="{4263717A-E3C1-4BED-ABE0-B7069385E023}" type="datetimeFigureOut">
               <a:rPr lang="en-US" smtClean="0"/>
-              <a:t>12/30/2024</a:t>
+              <a:t>4/2/2025</a:t>
             </a:fld>
             <a:endParaRPr lang="en-US"/>
           </a:p>
@@ -10009,7 +10441,7 @@
           <a:p>
             <a:fld id="{4263717A-E3C1-4BED-ABE0-B7069385E023}" type="datetimeFigureOut">
               <a:rPr lang="en-US" smtClean="0"/>
-              <a:t>12/30/2024</a:t>
+              <a:t>4/2/2025</a:t>
             </a:fld>
             <a:endParaRPr lang="en-US"/>
           </a:p>
@@ -10284,7 +10716,7 @@
           <a:p>
             <a:fld id="{4263717A-E3C1-4BED-ABE0-B7069385E023}" type="datetimeFigureOut">
               <a:rPr lang="en-US" smtClean="0"/>
-              <a:t>12/30/2024</a:t>
+              <a:t>4/2/2025</a:t>
             </a:fld>
             <a:endParaRPr lang="en-US"/>
           </a:p>
@@ -10536,7 +10968,7 @@
           <a:p>
             <a:fld id="{4263717A-E3C1-4BED-ABE0-B7069385E023}" type="datetimeFigureOut">
               <a:rPr lang="en-US" smtClean="0"/>
-              <a:t>12/30/2024</a:t>
+              <a:t>4/2/2025</a:t>
             </a:fld>
             <a:endParaRPr lang="en-US"/>
           </a:p>
@@ -10747,7 +11179,7 @@
           <a:p>
             <a:fld id="{4263717A-E3C1-4BED-ABE0-B7069385E023}" type="datetimeFigureOut">
               <a:rPr lang="en-US" smtClean="0"/>
-              <a:t>12/30/2024</a:t>
+              <a:t>4/2/2025</a:t>
             </a:fld>
             <a:endParaRPr lang="en-US"/>
           </a:p>
@@ -11339,7 +11771,7 @@
           <a:p>
             <a:r>
               <a:rPr lang="en-US" dirty="0"/>
-              <a:t>AOSP Apps/Packages Investigations</a:t>
+              <a:t>AOSP Apps Investigations</a:t>
             </a:r>
           </a:p>
         </p:txBody>
@@ -11386,6 +11818,928 @@
 </file>
 
 <file path=ppt/slides/slide10.xml><?xml version="1.0" encoding="utf-8"?>
+<p:sld xmlns:a="http://schemas.openxmlformats.org/drawingml/2006/main" xmlns:r="http://schemas.openxmlformats.org/officeDocument/2006/relationships" xmlns:p="http://schemas.openxmlformats.org/presentationml/2006/main">
+  <p:cSld>
+    <p:spTree>
+      <p:nvGrpSpPr>
+        <p:cNvPr id="1" name=""/>
+        <p:cNvGrpSpPr/>
+        <p:nvPr/>
+      </p:nvGrpSpPr>
+      <p:grpSpPr>
+        <a:xfrm>
+          <a:off x="0" y="0"/>
+          <a:ext cx="0" cy="0"/>
+          <a:chOff x="0" y="0"/>
+          <a:chExt cx="0" cy="0"/>
+        </a:xfrm>
+      </p:grpSpPr>
+      <p:sp>
+        <p:nvSpPr>
+          <p:cNvPr id="2" name="Title 1">
+            <a:extLst>
+              <a:ext uri="{FF2B5EF4-FFF2-40B4-BE49-F238E27FC236}">
+                <a16:creationId xmlns:a16="http://schemas.microsoft.com/office/drawing/2014/main" id="{BBC3D91C-466C-DA42-9B39-E505E52EEBB7}"/>
+              </a:ext>
+            </a:extLst>
+          </p:cNvPr>
+          <p:cNvSpPr>
+            <a:spLocks noGrp="1"/>
+          </p:cNvSpPr>
+          <p:nvPr>
+            <p:ph type="title"/>
+          </p:nvPr>
+        </p:nvSpPr>
+        <p:spPr/>
+        <p:txBody>
+          <a:bodyPr/>
+          <a:lstStyle/>
+          <a:p>
+            <a:r>
+              <a:rPr lang="en-US">
+                <a:solidFill>
+                  <a:srgbClr val="7030A0"/>
+                </a:solidFill>
+              </a:rPr>
+              <a:t>raw_contacts, data, contacts </a:t>
+            </a:r>
+            <a:r>
+              <a:rPr lang="en-US"/>
+              <a:t>tables</a:t>
+            </a:r>
+            <a:endParaRPr lang="en-US" dirty="0"/>
+          </a:p>
+        </p:txBody>
+      </p:sp>
+      <p:pic>
+        <p:nvPicPr>
+          <p:cNvPr id="5" name="Picture 4">
+            <a:extLst>
+              <a:ext uri="{FF2B5EF4-FFF2-40B4-BE49-F238E27FC236}">
+                <a16:creationId xmlns:a16="http://schemas.microsoft.com/office/drawing/2014/main" id="{BC1EA708-E0FB-068C-0C6F-D3F46AB82E46}"/>
+              </a:ext>
+            </a:extLst>
+          </p:cNvPr>
+          <p:cNvPicPr>
+            <a:picLocks noChangeAspect="1"/>
+          </p:cNvPicPr>
+          <p:nvPr/>
+        </p:nvPicPr>
+        <p:blipFill>
+          <a:blip r:embed="rId2"/>
+          <a:stretch>
+            <a:fillRect/>
+          </a:stretch>
+        </p:blipFill>
+        <p:spPr>
+          <a:xfrm>
+            <a:off x="970798" y="1690688"/>
+            <a:ext cx="9109902" cy="4284996"/>
+          </a:xfrm>
+          <a:prstGeom prst="rect">
+            <a:avLst/>
+          </a:prstGeom>
+        </p:spPr>
+      </p:pic>
+      <p:sp>
+        <p:nvSpPr>
+          <p:cNvPr id="8" name="Rectangle 7">
+            <a:extLst>
+              <a:ext uri="{FF2B5EF4-FFF2-40B4-BE49-F238E27FC236}">
+                <a16:creationId xmlns:a16="http://schemas.microsoft.com/office/drawing/2014/main" id="{7DB2DD92-D397-1C33-8503-3EBBC7036466}"/>
+              </a:ext>
+            </a:extLst>
+          </p:cNvPr>
+          <p:cNvSpPr/>
+          <p:nvPr/>
+        </p:nvSpPr>
+        <p:spPr>
+          <a:xfrm>
+            <a:off x="5633958" y="2570922"/>
+            <a:ext cx="534929" cy="278295"/>
+          </a:xfrm>
+          <a:prstGeom prst="rect">
+            <a:avLst/>
+          </a:prstGeom>
+          <a:noFill/>
+          <a:ln w="57150">
+            <a:solidFill>
+              <a:srgbClr val="7030A0"/>
+            </a:solidFill>
+          </a:ln>
+        </p:spPr>
+        <p:style>
+          <a:lnRef idx="2">
+            <a:schemeClr val="accent1">
+              <a:shade val="15000"/>
+            </a:schemeClr>
+          </a:lnRef>
+          <a:fillRef idx="1">
+            <a:schemeClr val="accent1"/>
+          </a:fillRef>
+          <a:effectRef idx="0">
+            <a:schemeClr val="accent1"/>
+          </a:effectRef>
+          <a:fontRef idx="minor">
+            <a:schemeClr val="lt1"/>
+          </a:fontRef>
+        </p:style>
+        <p:txBody>
+          <a:bodyPr rtlCol="0" anchor="ctr"/>
+          <a:lstStyle/>
+          <a:p>
+            <a:pPr algn="ctr"/>
+            <a:endParaRPr lang="en-US"/>
+          </a:p>
+        </p:txBody>
+      </p:sp>
+      <p:cxnSp>
+        <p:nvCxnSpPr>
+          <p:cNvPr id="10" name="Straight Arrow Connector 9">
+            <a:extLst>
+              <a:ext uri="{FF2B5EF4-FFF2-40B4-BE49-F238E27FC236}">
+                <a16:creationId xmlns:a16="http://schemas.microsoft.com/office/drawing/2014/main" id="{980F9E43-BECA-2EAC-9741-B6A5AC8A795B}"/>
+              </a:ext>
+            </a:extLst>
+          </p:cNvPr>
+          <p:cNvCxnSpPr/>
+          <p:nvPr/>
+        </p:nvCxnSpPr>
+        <p:spPr>
+          <a:xfrm flipH="1" flipV="1">
+            <a:off x="6096000" y="3366052"/>
+            <a:ext cx="669235" cy="642731"/>
+          </a:xfrm>
+          <a:prstGeom prst="straightConnector1">
+            <a:avLst/>
+          </a:prstGeom>
+          <a:ln>
+            <a:tailEnd type="triangle"/>
+          </a:ln>
+        </p:spPr>
+        <p:style>
+          <a:lnRef idx="1">
+            <a:schemeClr val="accent1"/>
+          </a:lnRef>
+          <a:fillRef idx="0">
+            <a:schemeClr val="accent1"/>
+          </a:fillRef>
+          <a:effectRef idx="0">
+            <a:schemeClr val="accent1"/>
+          </a:effectRef>
+          <a:fontRef idx="minor">
+            <a:schemeClr val="tx1"/>
+          </a:fontRef>
+        </p:style>
+      </p:cxnSp>
+      <p:sp>
+        <p:nvSpPr>
+          <p:cNvPr id="11" name="TextBox 10">
+            <a:extLst>
+              <a:ext uri="{FF2B5EF4-FFF2-40B4-BE49-F238E27FC236}">
+                <a16:creationId xmlns:a16="http://schemas.microsoft.com/office/drawing/2014/main" id="{4D810467-FA5D-F214-6597-140E95DC59CD}"/>
+              </a:ext>
+            </a:extLst>
+          </p:cNvPr>
+          <p:cNvSpPr txBox="1"/>
+          <p:nvPr/>
+        </p:nvSpPr>
+        <p:spPr>
+          <a:xfrm>
+            <a:off x="6301408" y="4143033"/>
+            <a:ext cx="3999878" cy="369332"/>
+          </a:xfrm>
+          <a:prstGeom prst="rect">
+            <a:avLst/>
+          </a:prstGeom>
+          <a:noFill/>
+          <a:ln>
+            <a:solidFill>
+              <a:srgbClr val="7030A0"/>
+            </a:solidFill>
+          </a:ln>
+        </p:spPr>
+        <p:txBody>
+          <a:bodyPr wrap="none" rtlCol="0">
+            <a:spAutoFit/>
+          </a:bodyPr>
+          <a:lstStyle/>
+          <a:p>
+            <a:r>
+              <a:rPr lang="en-US" dirty="0"/>
+              <a:t>Note: It will be updated after aggregated</a:t>
+            </a:r>
+          </a:p>
+        </p:txBody>
+      </p:sp>
+    </p:spTree>
+    <p:extLst>
+      <p:ext uri="{BB962C8B-B14F-4D97-AF65-F5344CB8AC3E}">
+        <p14:creationId xmlns:p14="http://schemas.microsoft.com/office/powerpoint/2010/main" val="398994365"/>
+      </p:ext>
+    </p:extLst>
+  </p:cSld>
+  <p:clrMapOvr>
+    <a:masterClrMapping/>
+  </p:clrMapOvr>
+</p:sld>
+</file>
+
+<file path=ppt/slides/slide11.xml><?xml version="1.0" encoding="utf-8"?>
+<p:sld xmlns:a="http://schemas.openxmlformats.org/drawingml/2006/main" xmlns:r="http://schemas.openxmlformats.org/officeDocument/2006/relationships" xmlns:p="http://schemas.openxmlformats.org/presentationml/2006/main">
+  <p:cSld>
+    <p:spTree>
+      <p:nvGrpSpPr>
+        <p:cNvPr id="1" name=""/>
+        <p:cNvGrpSpPr/>
+        <p:nvPr/>
+      </p:nvGrpSpPr>
+      <p:grpSpPr>
+        <a:xfrm>
+          <a:off x="0" y="0"/>
+          <a:ext cx="0" cy="0"/>
+          <a:chOff x="0" y="0"/>
+          <a:chExt cx="0" cy="0"/>
+        </a:xfrm>
+      </p:grpSpPr>
+      <p:pic>
+        <p:nvPicPr>
+          <p:cNvPr id="4" name="Picture 3">
+            <a:extLst>
+              <a:ext uri="{FF2B5EF4-FFF2-40B4-BE49-F238E27FC236}">
+                <a16:creationId xmlns:a16="http://schemas.microsoft.com/office/drawing/2014/main" id="{1AB64CB0-A719-EB35-2176-ECF20A7F96CE}"/>
+              </a:ext>
+            </a:extLst>
+          </p:cNvPr>
+          <p:cNvPicPr>
+            <a:picLocks noChangeAspect="1"/>
+          </p:cNvPicPr>
+          <p:nvPr/>
+        </p:nvPicPr>
+        <p:blipFill>
+          <a:blip r:embed="rId2"/>
+          <a:stretch>
+            <a:fillRect/>
+          </a:stretch>
+        </p:blipFill>
+        <p:spPr>
+          <a:xfrm>
+            <a:off x="1333628" y="303746"/>
+            <a:ext cx="8126678" cy="4737352"/>
+          </a:xfrm>
+          <a:prstGeom prst="rect">
+            <a:avLst/>
+          </a:prstGeom>
+        </p:spPr>
+      </p:pic>
+      <p:pic>
+        <p:nvPicPr>
+          <p:cNvPr id="6" name="Picture 5">
+            <a:extLst>
+              <a:ext uri="{FF2B5EF4-FFF2-40B4-BE49-F238E27FC236}">
+                <a16:creationId xmlns:a16="http://schemas.microsoft.com/office/drawing/2014/main" id="{B03CC534-F117-8CF9-846C-82C1539C32BD}"/>
+              </a:ext>
+            </a:extLst>
+          </p:cNvPr>
+          <p:cNvPicPr>
+            <a:picLocks noChangeAspect="1"/>
+          </p:cNvPicPr>
+          <p:nvPr/>
+        </p:nvPicPr>
+        <p:blipFill>
+          <a:blip r:embed="rId3"/>
+          <a:stretch>
+            <a:fillRect/>
+          </a:stretch>
+        </p:blipFill>
+        <p:spPr>
+          <a:xfrm>
+            <a:off x="1333628" y="5252736"/>
+            <a:ext cx="8085521" cy="1181202"/>
+          </a:xfrm>
+          <a:prstGeom prst="rect">
+            <a:avLst/>
+          </a:prstGeom>
+        </p:spPr>
+      </p:pic>
+      <p:grpSp>
+        <p:nvGrpSpPr>
+          <p:cNvPr id="10" name="Group 9">
+            <a:extLst>
+              <a:ext uri="{FF2B5EF4-FFF2-40B4-BE49-F238E27FC236}">
+                <a16:creationId xmlns:a16="http://schemas.microsoft.com/office/drawing/2014/main" id="{CE3A5BA5-5A93-D98C-3322-43FEECDE1A0B}"/>
+              </a:ext>
+            </a:extLst>
+          </p:cNvPr>
+          <p:cNvGrpSpPr/>
+          <p:nvPr/>
+        </p:nvGrpSpPr>
+        <p:grpSpPr>
+          <a:xfrm>
+            <a:off x="6375063" y="1819269"/>
+            <a:ext cx="1694880" cy="1742760"/>
+            <a:chOff x="6375063" y="1819269"/>
+            <a:chExt cx="1694880" cy="1742760"/>
+          </a:xfrm>
+        </p:grpSpPr>
+        <mc:AlternateContent xmlns:mc="http://schemas.openxmlformats.org/markup-compatibility/2006">
+          <mc:Choice xmlns:p14="http://schemas.microsoft.com/office/powerpoint/2010/main" Requires="p14">
+            <p:contentPart p14:bwMode="auto" r:id="rId4">
+              <p14:nvContentPartPr>
+                <p14:cNvPr id="7" name="Ink 6">
+                  <a:extLst>
+                    <a:ext uri="{FF2B5EF4-FFF2-40B4-BE49-F238E27FC236}">
+                      <a16:creationId xmlns:a16="http://schemas.microsoft.com/office/drawing/2014/main" id="{5A72CA5B-4D67-5DF1-3334-E54951BCCDAF}"/>
+                    </a:ext>
+                  </a:extLst>
+                </p14:cNvPr>
+                <p14:cNvContentPartPr/>
+                <p14:nvPr/>
+              </p14:nvContentPartPr>
+              <p14:xfrm>
+                <a:off x="6375063" y="1819269"/>
+                <a:ext cx="1262520" cy="396720"/>
+              </p14:xfrm>
+            </p:contentPart>
+          </mc:Choice>
+          <mc:Fallback>
+            <p:pic>
+              <p:nvPicPr>
+                <p:cNvPr id="7" name="Ink 6">
+                  <a:extLst>
+                    <a:ext uri="{FF2B5EF4-FFF2-40B4-BE49-F238E27FC236}">
+                      <a16:creationId xmlns:a16="http://schemas.microsoft.com/office/drawing/2014/main" id="{5A72CA5B-4D67-5DF1-3334-E54951BCCDAF}"/>
+                    </a:ext>
+                  </a:extLst>
+                </p:cNvPr>
+                <p:cNvPicPr/>
+                <p:nvPr/>
+              </p:nvPicPr>
+              <p:blipFill>
+                <a:blip r:embed="rId5"/>
+                <a:stretch>
+                  <a:fillRect/>
+                </a:stretch>
+              </p:blipFill>
+              <p:spPr>
+                <a:xfrm>
+                  <a:off x="6366063" y="1810269"/>
+                  <a:ext cx="1280160" cy="414360"/>
+                </a:xfrm>
+                <a:prstGeom prst="rect">
+                  <a:avLst/>
+                </a:prstGeom>
+              </p:spPr>
+            </p:pic>
+          </mc:Fallback>
+        </mc:AlternateContent>
+        <mc:AlternateContent xmlns:mc="http://schemas.openxmlformats.org/markup-compatibility/2006">
+          <mc:Choice xmlns:p14="http://schemas.microsoft.com/office/powerpoint/2010/main" Requires="p14">
+            <p:contentPart p14:bwMode="auto" r:id="rId6">
+              <p14:nvContentPartPr>
+                <p14:cNvPr id="8" name="Ink 7">
+                  <a:extLst>
+                    <a:ext uri="{FF2B5EF4-FFF2-40B4-BE49-F238E27FC236}">
+                      <a16:creationId xmlns:a16="http://schemas.microsoft.com/office/drawing/2014/main" id="{332830CB-8388-6757-E6CE-9A3B9F1867BC}"/>
+                    </a:ext>
+                  </a:extLst>
+                </p14:cNvPr>
+                <p14:cNvContentPartPr/>
+                <p14:nvPr/>
+              </p14:nvContentPartPr>
+              <p14:xfrm>
+                <a:off x="6391983" y="3031389"/>
+                <a:ext cx="1172520" cy="530640"/>
+              </p14:xfrm>
+            </p:contentPart>
+          </mc:Choice>
+          <mc:Fallback>
+            <p:pic>
+              <p:nvPicPr>
+                <p:cNvPr id="8" name="Ink 7">
+                  <a:extLst>
+                    <a:ext uri="{FF2B5EF4-FFF2-40B4-BE49-F238E27FC236}">
+                      <a16:creationId xmlns:a16="http://schemas.microsoft.com/office/drawing/2014/main" id="{332830CB-8388-6757-E6CE-9A3B9F1867BC}"/>
+                    </a:ext>
+                  </a:extLst>
+                </p:cNvPr>
+                <p:cNvPicPr/>
+                <p:nvPr/>
+              </p:nvPicPr>
+              <p:blipFill>
+                <a:blip r:embed="rId7"/>
+                <a:stretch>
+                  <a:fillRect/>
+                </a:stretch>
+              </p:blipFill>
+              <p:spPr>
+                <a:xfrm>
+                  <a:off x="6383343" y="3022749"/>
+                  <a:ext cx="1190160" cy="548280"/>
+                </a:xfrm>
+                <a:prstGeom prst="rect">
+                  <a:avLst/>
+                </a:prstGeom>
+              </p:spPr>
+            </p:pic>
+          </mc:Fallback>
+        </mc:AlternateContent>
+        <mc:AlternateContent xmlns:mc="http://schemas.openxmlformats.org/markup-compatibility/2006">
+          <mc:Choice xmlns:p14="http://schemas.microsoft.com/office/powerpoint/2010/main" Requires="p14">
+            <p:contentPart p14:bwMode="auto" r:id="rId8">
+              <p14:nvContentPartPr>
+                <p14:cNvPr id="9" name="Ink 8">
+                  <a:extLst>
+                    <a:ext uri="{FF2B5EF4-FFF2-40B4-BE49-F238E27FC236}">
+                      <a16:creationId xmlns:a16="http://schemas.microsoft.com/office/drawing/2014/main" id="{626F82FB-988A-CA78-79A3-5547779AAB33}"/>
+                    </a:ext>
+                  </a:extLst>
+                </p14:cNvPr>
+                <p14:cNvContentPartPr/>
+                <p14:nvPr/>
+              </p14:nvContentPartPr>
+              <p14:xfrm>
+                <a:off x="7651983" y="2157309"/>
+                <a:ext cx="417960" cy="1010160"/>
+              </p14:xfrm>
+            </p:contentPart>
+          </mc:Choice>
+          <mc:Fallback>
+            <p:pic>
+              <p:nvPicPr>
+                <p:cNvPr id="9" name="Ink 8">
+                  <a:extLst>
+                    <a:ext uri="{FF2B5EF4-FFF2-40B4-BE49-F238E27FC236}">
+                      <a16:creationId xmlns:a16="http://schemas.microsoft.com/office/drawing/2014/main" id="{626F82FB-988A-CA78-79A3-5547779AAB33}"/>
+                    </a:ext>
+                  </a:extLst>
+                </p:cNvPr>
+                <p:cNvPicPr/>
+                <p:nvPr/>
+              </p:nvPicPr>
+              <p:blipFill>
+                <a:blip r:embed="rId9"/>
+                <a:stretch>
+                  <a:fillRect/>
+                </a:stretch>
+              </p:blipFill>
+              <p:spPr>
+                <a:xfrm>
+                  <a:off x="7643343" y="2148309"/>
+                  <a:ext cx="435600" cy="1027800"/>
+                </a:xfrm>
+                <a:prstGeom prst="rect">
+                  <a:avLst/>
+                </a:prstGeom>
+              </p:spPr>
+            </p:pic>
+          </mc:Fallback>
+        </mc:AlternateContent>
+      </p:grpSp>
+      <p:grpSp>
+        <p:nvGrpSpPr>
+          <p:cNvPr id="19" name="Group 18">
+            <a:extLst>
+              <a:ext uri="{FF2B5EF4-FFF2-40B4-BE49-F238E27FC236}">
+                <a16:creationId xmlns:a16="http://schemas.microsoft.com/office/drawing/2014/main" id="{F45D3D60-4C20-568B-E9CB-EEB6C7230799}"/>
+              </a:ext>
+            </a:extLst>
+          </p:cNvPr>
+          <p:cNvGrpSpPr/>
+          <p:nvPr/>
+        </p:nvGrpSpPr>
+        <p:grpSpPr>
+          <a:xfrm>
+            <a:off x="7708143" y="1555749"/>
+            <a:ext cx="842760" cy="337680"/>
+            <a:chOff x="7708143" y="1555749"/>
+            <a:chExt cx="842760" cy="337680"/>
+          </a:xfrm>
+        </p:grpSpPr>
+        <mc:AlternateContent xmlns:mc="http://schemas.openxmlformats.org/markup-compatibility/2006">
+          <mc:Choice xmlns:p14="http://schemas.microsoft.com/office/powerpoint/2010/main" Requires="p14">
+            <p:contentPart p14:bwMode="auto" r:id="rId10">
+              <p14:nvContentPartPr>
+                <p14:cNvPr id="11" name="Ink 10">
+                  <a:extLst>
+                    <a:ext uri="{FF2B5EF4-FFF2-40B4-BE49-F238E27FC236}">
+                      <a16:creationId xmlns:a16="http://schemas.microsoft.com/office/drawing/2014/main" id="{247628DF-31AA-96DA-510C-5F9DD8B27226}"/>
+                    </a:ext>
+                  </a:extLst>
+                </p14:cNvPr>
+                <p14:cNvContentPartPr/>
+                <p14:nvPr/>
+              </p14:nvContentPartPr>
+              <p14:xfrm>
+                <a:off x="7708143" y="1714869"/>
+                <a:ext cx="239400" cy="151560"/>
+              </p14:xfrm>
+            </p:contentPart>
+          </mc:Choice>
+          <mc:Fallback>
+            <p:pic>
+              <p:nvPicPr>
+                <p:cNvPr id="11" name="Ink 10">
+                  <a:extLst>
+                    <a:ext uri="{FF2B5EF4-FFF2-40B4-BE49-F238E27FC236}">
+                      <a16:creationId xmlns:a16="http://schemas.microsoft.com/office/drawing/2014/main" id="{247628DF-31AA-96DA-510C-5F9DD8B27226}"/>
+                    </a:ext>
+                  </a:extLst>
+                </p:cNvPr>
+                <p:cNvPicPr/>
+                <p:nvPr/>
+              </p:nvPicPr>
+              <p:blipFill>
+                <a:blip r:embed="rId11"/>
+                <a:stretch>
+                  <a:fillRect/>
+                </a:stretch>
+              </p:blipFill>
+              <p:spPr>
+                <a:xfrm>
+                  <a:off x="7699503" y="1705869"/>
+                  <a:ext cx="257040" cy="169200"/>
+                </a:xfrm>
+                <a:prstGeom prst="rect">
+                  <a:avLst/>
+                </a:prstGeom>
+              </p:spPr>
+            </p:pic>
+          </mc:Fallback>
+        </mc:AlternateContent>
+        <mc:AlternateContent xmlns:mc="http://schemas.openxmlformats.org/markup-compatibility/2006">
+          <mc:Choice xmlns:p14="http://schemas.microsoft.com/office/powerpoint/2010/main" Requires="p14">
+            <p:contentPart p14:bwMode="auto" r:id="rId12">
+              <p14:nvContentPartPr>
+                <p14:cNvPr id="12" name="Ink 11">
+                  <a:extLst>
+                    <a:ext uri="{FF2B5EF4-FFF2-40B4-BE49-F238E27FC236}">
+                      <a16:creationId xmlns:a16="http://schemas.microsoft.com/office/drawing/2014/main" id="{3083D0B3-C61E-4F36-7C0F-EF6EA1E814C5}"/>
+                    </a:ext>
+                  </a:extLst>
+                </p14:cNvPr>
+                <p14:cNvContentPartPr/>
+                <p14:nvPr/>
+              </p14:nvContentPartPr>
+              <p14:xfrm>
+                <a:off x="7986423" y="1694709"/>
+                <a:ext cx="99000" cy="149400"/>
+              </p14:xfrm>
+            </p:contentPart>
+          </mc:Choice>
+          <mc:Fallback>
+            <p:pic>
+              <p:nvPicPr>
+                <p:cNvPr id="12" name="Ink 11">
+                  <a:extLst>
+                    <a:ext uri="{FF2B5EF4-FFF2-40B4-BE49-F238E27FC236}">
+                      <a16:creationId xmlns:a16="http://schemas.microsoft.com/office/drawing/2014/main" id="{3083D0B3-C61E-4F36-7C0F-EF6EA1E814C5}"/>
+                    </a:ext>
+                  </a:extLst>
+                </p:cNvPr>
+                <p:cNvPicPr/>
+                <p:nvPr/>
+              </p:nvPicPr>
+              <p:blipFill>
+                <a:blip r:embed="rId13"/>
+                <a:stretch>
+                  <a:fillRect/>
+                </a:stretch>
+              </p:blipFill>
+              <p:spPr>
+                <a:xfrm>
+                  <a:off x="7977783" y="1686069"/>
+                  <a:ext cx="116640" cy="167040"/>
+                </a:xfrm>
+                <a:prstGeom prst="rect">
+                  <a:avLst/>
+                </a:prstGeom>
+              </p:spPr>
+            </p:pic>
+          </mc:Fallback>
+        </mc:AlternateContent>
+        <mc:AlternateContent xmlns:mc="http://schemas.openxmlformats.org/markup-compatibility/2006">
+          <mc:Choice xmlns:p14="http://schemas.microsoft.com/office/powerpoint/2010/main" Requires="p14">
+            <p:contentPart p14:bwMode="auto" r:id="rId14">
+              <p14:nvContentPartPr>
+                <p14:cNvPr id="14" name="Ink 13">
+                  <a:extLst>
+                    <a:ext uri="{FF2B5EF4-FFF2-40B4-BE49-F238E27FC236}">
+                      <a16:creationId xmlns:a16="http://schemas.microsoft.com/office/drawing/2014/main" id="{D09C2B45-97EC-394E-13C0-D04B5F79D722}"/>
+                    </a:ext>
+                  </a:extLst>
+                </p14:cNvPr>
+                <p14:cNvContentPartPr/>
+                <p14:nvPr/>
+              </p14:nvContentPartPr>
+              <p14:xfrm>
+                <a:off x="8101263" y="1700469"/>
+                <a:ext cx="95760" cy="24480"/>
+              </p14:xfrm>
+            </p:contentPart>
+          </mc:Choice>
+          <mc:Fallback>
+            <p:pic>
+              <p:nvPicPr>
+                <p:cNvPr id="14" name="Ink 13">
+                  <a:extLst>
+                    <a:ext uri="{FF2B5EF4-FFF2-40B4-BE49-F238E27FC236}">
+                      <a16:creationId xmlns:a16="http://schemas.microsoft.com/office/drawing/2014/main" id="{D09C2B45-97EC-394E-13C0-D04B5F79D722}"/>
+                    </a:ext>
+                  </a:extLst>
+                </p:cNvPr>
+                <p:cNvPicPr/>
+                <p:nvPr/>
+              </p:nvPicPr>
+              <p:blipFill>
+                <a:blip r:embed="rId15"/>
+                <a:stretch>
+                  <a:fillRect/>
+                </a:stretch>
+              </p:blipFill>
+              <p:spPr>
+                <a:xfrm>
+                  <a:off x="8092263" y="1691469"/>
+                  <a:ext cx="113400" cy="42120"/>
+                </a:xfrm>
+                <a:prstGeom prst="rect">
+                  <a:avLst/>
+                </a:prstGeom>
+              </p:spPr>
+            </p:pic>
+          </mc:Fallback>
+        </mc:AlternateContent>
+        <mc:AlternateContent xmlns:mc="http://schemas.openxmlformats.org/markup-compatibility/2006">
+          <mc:Choice xmlns:p14="http://schemas.microsoft.com/office/powerpoint/2010/main" Requires="p14">
+            <p:contentPart p14:bwMode="auto" r:id="rId16">
+              <p14:nvContentPartPr>
+                <p14:cNvPr id="15" name="Ink 14">
+                  <a:extLst>
+                    <a:ext uri="{FF2B5EF4-FFF2-40B4-BE49-F238E27FC236}">
+                      <a16:creationId xmlns:a16="http://schemas.microsoft.com/office/drawing/2014/main" id="{F060C111-48B8-68C4-CF3C-8EE1D353D134}"/>
+                    </a:ext>
+                  </a:extLst>
+                </p14:cNvPr>
+                <p14:cNvContentPartPr/>
+                <p14:nvPr/>
+              </p14:nvContentPartPr>
+              <p14:xfrm>
+                <a:off x="8132943" y="1611909"/>
+                <a:ext cx="49320" cy="255600"/>
+              </p14:xfrm>
+            </p:contentPart>
+          </mc:Choice>
+          <mc:Fallback>
+            <p:pic>
+              <p:nvPicPr>
+                <p:cNvPr id="15" name="Ink 14">
+                  <a:extLst>
+                    <a:ext uri="{FF2B5EF4-FFF2-40B4-BE49-F238E27FC236}">
+                      <a16:creationId xmlns:a16="http://schemas.microsoft.com/office/drawing/2014/main" id="{F060C111-48B8-68C4-CF3C-8EE1D353D134}"/>
+                    </a:ext>
+                  </a:extLst>
+                </p:cNvPr>
+                <p:cNvPicPr/>
+                <p:nvPr/>
+              </p:nvPicPr>
+              <p:blipFill>
+                <a:blip r:embed="rId17"/>
+                <a:stretch>
+                  <a:fillRect/>
+                </a:stretch>
+              </p:blipFill>
+              <p:spPr>
+                <a:xfrm>
+                  <a:off x="8123943" y="1603269"/>
+                  <a:ext cx="66960" cy="273240"/>
+                </a:xfrm>
+                <a:prstGeom prst="rect">
+                  <a:avLst/>
+                </a:prstGeom>
+              </p:spPr>
+            </p:pic>
+          </mc:Fallback>
+        </mc:AlternateContent>
+        <mc:AlternateContent xmlns:mc="http://schemas.openxmlformats.org/markup-compatibility/2006">
+          <mc:Choice xmlns:p14="http://schemas.microsoft.com/office/powerpoint/2010/main" Requires="p14">
+            <p:contentPart p14:bwMode="auto" r:id="rId18">
+              <p14:nvContentPartPr>
+                <p14:cNvPr id="16" name="Ink 15">
+                  <a:extLst>
+                    <a:ext uri="{FF2B5EF4-FFF2-40B4-BE49-F238E27FC236}">
+                      <a16:creationId xmlns:a16="http://schemas.microsoft.com/office/drawing/2014/main" id="{210CA226-44C6-8853-0D4D-E90F718A4C66}"/>
+                    </a:ext>
+                  </a:extLst>
+                </p14:cNvPr>
+                <p14:cNvContentPartPr/>
+                <p14:nvPr/>
+              </p14:nvContentPartPr>
+              <p14:xfrm>
+                <a:off x="8301423" y="1743669"/>
+                <a:ext cx="55080" cy="104040"/>
+              </p14:xfrm>
+            </p:contentPart>
+          </mc:Choice>
+          <mc:Fallback>
+            <p:pic>
+              <p:nvPicPr>
+                <p:cNvPr id="16" name="Ink 15">
+                  <a:extLst>
+                    <a:ext uri="{FF2B5EF4-FFF2-40B4-BE49-F238E27FC236}">
+                      <a16:creationId xmlns:a16="http://schemas.microsoft.com/office/drawing/2014/main" id="{210CA226-44C6-8853-0D4D-E90F718A4C66}"/>
+                    </a:ext>
+                  </a:extLst>
+                </p:cNvPr>
+                <p:cNvPicPr/>
+                <p:nvPr/>
+              </p:nvPicPr>
+              <p:blipFill>
+                <a:blip r:embed="rId19"/>
+                <a:stretch>
+                  <a:fillRect/>
+                </a:stretch>
+              </p:blipFill>
+              <p:spPr>
+                <a:xfrm>
+                  <a:off x="8292423" y="1735029"/>
+                  <a:ext cx="72720" cy="121680"/>
+                </a:xfrm>
+                <a:prstGeom prst="rect">
+                  <a:avLst/>
+                </a:prstGeom>
+              </p:spPr>
+            </p:pic>
+          </mc:Fallback>
+        </mc:AlternateContent>
+        <mc:AlternateContent xmlns:mc="http://schemas.openxmlformats.org/markup-compatibility/2006">
+          <mc:Choice xmlns:p14="http://schemas.microsoft.com/office/powerpoint/2010/main" Requires="p14">
+            <p:contentPart p14:bwMode="auto" r:id="rId20">
+              <p14:nvContentPartPr>
+                <p14:cNvPr id="18" name="Ink 17">
+                  <a:extLst>
+                    <a:ext uri="{FF2B5EF4-FFF2-40B4-BE49-F238E27FC236}">
+                      <a16:creationId xmlns:a16="http://schemas.microsoft.com/office/drawing/2014/main" id="{B6172EC1-39BA-60C5-2209-E161E57A058A}"/>
+                    </a:ext>
+                  </a:extLst>
+                </p14:cNvPr>
+                <p14:cNvContentPartPr/>
+                <p14:nvPr/>
+              </p14:nvContentPartPr>
+              <p14:xfrm>
+                <a:off x="8405823" y="1555749"/>
+                <a:ext cx="145080" cy="337680"/>
+              </p14:xfrm>
+            </p:contentPart>
+          </mc:Choice>
+          <mc:Fallback>
+            <p:pic>
+              <p:nvPicPr>
+                <p:cNvPr id="18" name="Ink 17">
+                  <a:extLst>
+                    <a:ext uri="{FF2B5EF4-FFF2-40B4-BE49-F238E27FC236}">
+                      <a16:creationId xmlns:a16="http://schemas.microsoft.com/office/drawing/2014/main" id="{B6172EC1-39BA-60C5-2209-E161E57A058A}"/>
+                    </a:ext>
+                  </a:extLst>
+                </p:cNvPr>
+                <p:cNvPicPr/>
+                <p:nvPr/>
+              </p:nvPicPr>
+              <p:blipFill>
+                <a:blip r:embed="rId21"/>
+                <a:stretch>
+                  <a:fillRect/>
+                </a:stretch>
+              </p:blipFill>
+              <p:spPr>
+                <a:xfrm>
+                  <a:off x="8396823" y="1547109"/>
+                  <a:ext cx="162720" cy="355320"/>
+                </a:xfrm>
+                <a:prstGeom prst="rect">
+                  <a:avLst/>
+                </a:prstGeom>
+              </p:spPr>
+            </p:pic>
+          </mc:Fallback>
+        </mc:AlternateContent>
+      </p:grpSp>
+      <mc:AlternateContent xmlns:mc="http://schemas.openxmlformats.org/markup-compatibility/2006">
+        <mc:Choice xmlns:p14="http://schemas.microsoft.com/office/powerpoint/2010/main" Requires="p14">
+          <p:contentPart p14:bwMode="auto" r:id="rId22">
+            <p14:nvContentPartPr>
+              <p14:cNvPr id="20" name="Ink 19">
+                <a:extLst>
+                  <a:ext uri="{FF2B5EF4-FFF2-40B4-BE49-F238E27FC236}">
+                    <a16:creationId xmlns:a16="http://schemas.microsoft.com/office/drawing/2014/main" id="{9D088B27-6BFD-2600-AC5A-EBA484D8A378}"/>
+                  </a:ext>
+                </a:extLst>
+              </p14:cNvPr>
+              <p14:cNvContentPartPr/>
+              <p14:nvPr/>
+            </p14:nvContentPartPr>
+            <p14:xfrm>
+              <a:off x="10482115" y="2762755"/>
+              <a:ext cx="360" cy="360"/>
+            </p14:xfrm>
+          </p:contentPart>
+        </mc:Choice>
+        <mc:Fallback>
+          <p:pic>
+            <p:nvPicPr>
+              <p:cNvPr id="20" name="Ink 19">
+                <a:extLst>
+                  <a:ext uri="{FF2B5EF4-FFF2-40B4-BE49-F238E27FC236}">
+                    <a16:creationId xmlns:a16="http://schemas.microsoft.com/office/drawing/2014/main" id="{9D088B27-6BFD-2600-AC5A-EBA484D8A378}"/>
+                  </a:ext>
+                </a:extLst>
+              </p:cNvPr>
+              <p:cNvPicPr/>
+              <p:nvPr/>
+            </p:nvPicPr>
+            <p:blipFill>
+              <a:blip r:embed="rId23"/>
+              <a:stretch>
+                <a:fillRect/>
+              </a:stretch>
+            </p:blipFill>
+            <p:spPr>
+              <a:xfrm>
+                <a:off x="10473475" y="2754115"/>
+                <a:ext cx="18000" cy="18000"/>
+              </a:xfrm>
+              <a:prstGeom prst="rect">
+                <a:avLst/>
+              </a:prstGeom>
+            </p:spPr>
+          </p:pic>
+        </mc:Fallback>
+      </mc:AlternateContent>
+      <p:sp>
+        <p:nvSpPr>
+          <p:cNvPr id="21" name="Rectangle 20">
+            <a:extLst>
+              <a:ext uri="{FF2B5EF4-FFF2-40B4-BE49-F238E27FC236}">
+                <a16:creationId xmlns:a16="http://schemas.microsoft.com/office/drawing/2014/main" id="{DDF17EB1-5933-7697-D10B-C93D412B3F21}"/>
+              </a:ext>
+            </a:extLst>
+          </p:cNvPr>
+          <p:cNvSpPr/>
+          <p:nvPr/>
+        </p:nvSpPr>
+        <p:spPr>
+          <a:xfrm>
+            <a:off x="1333628" y="6069496"/>
+            <a:ext cx="534929" cy="278295"/>
+          </a:xfrm>
+          <a:prstGeom prst="rect">
+            <a:avLst/>
+          </a:prstGeom>
+          <a:noFill/>
+          <a:ln w="57150">
+            <a:solidFill>
+              <a:srgbClr val="7030A0"/>
+            </a:solidFill>
+          </a:ln>
+        </p:spPr>
+        <p:style>
+          <a:lnRef idx="2">
+            <a:schemeClr val="accent1">
+              <a:shade val="15000"/>
+            </a:schemeClr>
+          </a:lnRef>
+          <a:fillRef idx="1">
+            <a:schemeClr val="accent1"/>
+          </a:fillRef>
+          <a:effectRef idx="0">
+            <a:schemeClr val="accent1"/>
+          </a:effectRef>
+          <a:fontRef idx="minor">
+            <a:schemeClr val="lt1"/>
+          </a:fontRef>
+        </p:style>
+        <p:txBody>
+          <a:bodyPr rtlCol="0" anchor="ctr"/>
+          <a:lstStyle/>
+          <a:p>
+            <a:pPr algn="ctr"/>
+            <a:endParaRPr lang="en-US"/>
+          </a:p>
+        </p:txBody>
+      </p:sp>
+    </p:spTree>
+    <p:extLst>
+      <p:ext uri="{BB962C8B-B14F-4D97-AF65-F5344CB8AC3E}">
+        <p14:creationId xmlns:p14="http://schemas.microsoft.com/office/powerpoint/2010/main" val="2696663503"/>
+      </p:ext>
+    </p:extLst>
+  </p:cSld>
+  <p:clrMapOvr>
+    <a:masterClrMapping/>
+  </p:clrMapOvr>
+</p:sld>
+</file>
+
+<file path=ppt/slides/slide12.xml><?xml version="1.0" encoding="utf-8"?>
 <p:sld xmlns:a="http://schemas.openxmlformats.org/drawingml/2006/main" xmlns:r="http://schemas.openxmlformats.org/officeDocument/2006/relationships" xmlns:p="http://schemas.openxmlformats.org/presentationml/2006/main">
   <p:cSld>
     <p:spTree>
@@ -12117,7 +13471,7 @@
 </p:sld>
 </file>
 
-<file path=ppt/slides/slide11.xml><?xml version="1.0" encoding="utf-8"?>
+<file path=ppt/slides/slide13.xml><?xml version="1.0" encoding="utf-8"?>
 <p:sld xmlns:a="http://schemas.openxmlformats.org/drawingml/2006/main" xmlns:r="http://schemas.openxmlformats.org/officeDocument/2006/relationships" xmlns:p="http://schemas.openxmlformats.org/presentationml/2006/main">
   <p:cSld>
     <p:spTree>
@@ -12156,7 +13510,7 @@
         </p:blipFill>
         <p:spPr>
           <a:xfrm>
-            <a:off x="3999772" y="1429706"/>
+            <a:off x="5523580" y="1287038"/>
             <a:ext cx="6118054" cy="5275894"/>
           </a:xfrm>
           <a:prstGeom prst="rect">
@@ -12186,19 +13540,34 @@
           <a:lstStyle/>
           <a:p>
             <a:r>
-              <a:rPr lang="en-GB"/>
-              <a:t>How many contacts does the owner saved?</a:t>
-            </a:r>
-            <a:endParaRPr lang="en-US"/>
+              <a:rPr lang="en-US" dirty="0" err="1">
+                <a:solidFill>
+                  <a:srgbClr val="7030A0"/>
+                </a:solidFill>
+              </a:rPr>
+              <a:t>raw_contacts</a:t>
+            </a:r>
+            <a:r>
+              <a:rPr lang="en-US" dirty="0">
+                <a:solidFill>
+                  <a:srgbClr val="7030A0"/>
+                </a:solidFill>
+              </a:rPr>
+              <a:t> </a:t>
+            </a:r>
+            <a:r>
+              <a:rPr lang="en-US" dirty="0"/>
+              <a:t>table</a:t>
+            </a:r>
           </a:p>
         </p:txBody>
       </p:sp>
       <p:sp>
         <p:nvSpPr>
-          <p:cNvPr id="6" name="TextBox 5">
+          <p:cNvPr id="4" name="TextBox 3">
             <a:extLst>
               <a:ext uri="{FF2B5EF4-FFF2-40B4-BE49-F238E27FC236}">
-                <a16:creationId xmlns:a16="http://schemas.microsoft.com/office/drawing/2014/main" id="{89E368B2-9FF6-44DC-A45A-5CB111620341}"/>
+                <a16:creationId xmlns:a16="http://schemas.microsoft.com/office/drawing/2014/main" id="{D89FBA75-6403-E0C1-0457-53D135A23A67}"/>
               </a:ext>
             </a:extLst>
           </p:cNvPr>
@@ -12207,18 +13576,13 @@
         </p:nvSpPr>
         <p:spPr>
           <a:xfrm>
-            <a:off x="502564" y="3152654"/>
-            <a:ext cx="2463240" cy="1200329"/>
+            <a:off x="660979" y="2039168"/>
+            <a:ext cx="4574699" cy="3416320"/>
           </a:xfrm>
           <a:prstGeom prst="rect">
             <a:avLst/>
           </a:prstGeom>
-          <a:solidFill>
-            <a:schemeClr val="accent4">
-              <a:lumMod val="20000"/>
-              <a:lumOff val="80000"/>
-            </a:schemeClr>
-          </a:solidFill>
+          <a:noFill/>
         </p:spPr>
         <p:txBody>
           <a:bodyPr wrap="square">
@@ -12227,11 +13591,25 @@
           <a:lstStyle/>
           <a:p>
             <a:r>
-              <a:rPr lang="en-US" sz="2400" dirty="0"/>
-              <a:t>exam </a:t>
-            </a:r>
-            <a:r>
-              <a:rPr lang="en-US" sz="2400" i="1" dirty="0" err="1">
+              <a:rPr lang="en-GB" b="1" dirty="0"/>
+              <a:t>Raw Contacts vs. Contacts</a:t>
+            </a:r>
+            <a:r>
+              <a:rPr lang="en-GB" dirty="0"/>
+              <a:t>: </a:t>
+            </a:r>
+          </a:p>
+          <a:p>
+            <a:pPr marL="285750" indent="-285750">
+              <a:buFont typeface="Arial" panose="020B0604020202020204" pitchFamily="34" charset="0"/>
+              <a:buChar char="•"/>
+            </a:pPr>
+            <a:r>
+              <a:rPr lang="en-GB" dirty="0"/>
+              <a:t>The </a:t>
+            </a:r>
+            <a:r>
+              <a:rPr lang="en-GB" dirty="0" err="1">
                 <a:solidFill>
                   <a:srgbClr val="7030A0"/>
                 </a:solidFill>
@@ -12239,7 +13617,7 @@
               <a:t>raw_contacts</a:t>
             </a:r>
             <a:r>
-              <a:rPr lang="en-US" sz="2400" i="1" dirty="0">
+              <a:rPr lang="en-GB" dirty="0">
                 <a:solidFill>
                   <a:srgbClr val="7030A0"/>
                 </a:solidFill>
@@ -12247,113 +13625,61 @@
               <a:t> </a:t>
             </a:r>
             <a:r>
-              <a:rPr lang="en-US" sz="2400" dirty="0"/>
-              <a:t>table</a:t>
-            </a:r>
-          </a:p>
-        </p:txBody>
-      </p:sp>
-      <p:cxnSp>
-        <p:nvCxnSpPr>
-          <p:cNvPr id="7" name="Straight Arrow Connector 6">
-            <a:extLst>
-              <a:ext uri="{FF2B5EF4-FFF2-40B4-BE49-F238E27FC236}">
-                <a16:creationId xmlns:a16="http://schemas.microsoft.com/office/drawing/2014/main" id="{C35DD211-86A6-416F-908F-EEB0613D57AE}"/>
-              </a:ext>
-            </a:extLst>
-          </p:cNvPr>
-          <p:cNvCxnSpPr>
-            <a:cxnSpLocks/>
-            <a:stCxn id="6" idx="3"/>
-          </p:cNvCxnSpPr>
-          <p:nvPr/>
-        </p:nvCxnSpPr>
-        <p:spPr>
-          <a:xfrm flipV="1">
-            <a:off x="2965804" y="1616245"/>
-            <a:ext cx="996408" cy="2136574"/>
-          </a:xfrm>
-          <a:prstGeom prst="straightConnector1">
-            <a:avLst/>
-          </a:prstGeom>
-          <a:ln>
-            <a:tailEnd type="triangle"/>
-          </a:ln>
-        </p:spPr>
-        <p:style>
-          <a:lnRef idx="1">
-            <a:schemeClr val="accent2"/>
-          </a:lnRef>
-          <a:fillRef idx="0">
-            <a:schemeClr val="accent2"/>
-          </a:fillRef>
-          <a:effectRef idx="0">
-            <a:schemeClr val="accent2"/>
-          </a:effectRef>
-          <a:fontRef idx="minor">
-            <a:schemeClr val="tx1"/>
-          </a:fontRef>
-        </p:style>
-      </p:cxnSp>
-      <p:sp>
-        <p:nvSpPr>
-          <p:cNvPr id="8" name="TextBox 7">
-            <a:extLst>
-              <a:ext uri="{FF2B5EF4-FFF2-40B4-BE49-F238E27FC236}">
-                <a16:creationId xmlns:a16="http://schemas.microsoft.com/office/drawing/2014/main" id="{A85B5139-848E-4D2C-B2F0-7582F61481AE}"/>
-              </a:ext>
-            </a:extLst>
-          </p:cNvPr>
-          <p:cNvSpPr txBox="1"/>
-          <p:nvPr/>
-        </p:nvSpPr>
-        <p:spPr>
-          <a:xfrm>
-            <a:off x="550366" y="1867673"/>
-            <a:ext cx="3449406" cy="369332"/>
-          </a:xfrm>
-          <a:prstGeom prst="rect">
-            <a:avLst/>
-          </a:prstGeom>
-          <a:solidFill>
-            <a:schemeClr val="accent4"/>
-          </a:solidFill>
-        </p:spPr>
-        <p:txBody>
-          <a:bodyPr wrap="none" rtlCol="0">
-            <a:spAutoFit/>
-          </a:bodyPr>
-          <a:lstStyle/>
-          <a:p>
-            <a:r>
-              <a:rPr lang="en-US" dirty="0"/>
-              <a:t>Show </a:t>
-            </a:r>
-            <a:r>
-              <a:rPr lang="en-US" sz="1800" i="1" dirty="0" err="1">
+              <a:rPr lang="en-GB" dirty="0"/>
+              <a:t>table stores individual contact entries from different accounts. </a:t>
+            </a:r>
+          </a:p>
+          <a:p>
+            <a:pPr marL="285750" indent="-285750">
+              <a:buFont typeface="Arial" panose="020B0604020202020204" pitchFamily="34" charset="0"/>
+              <a:buChar char="•"/>
+            </a:pPr>
+            <a:r>
+              <a:rPr lang="en-GB" dirty="0"/>
+              <a:t>The </a:t>
+            </a:r>
+            <a:r>
+              <a:rPr lang="en-GB" dirty="0">
                 <a:solidFill>
                   <a:srgbClr val="7030A0"/>
                 </a:solidFill>
               </a:rPr>
+              <a:t>contacts </a:t>
+            </a:r>
+            <a:r>
+              <a:rPr lang="en-GB" dirty="0"/>
+              <a:t>table (not shown here) aggregates these raw contacts into unified contacts that the user sees in the Contacts app. </a:t>
+            </a:r>
+          </a:p>
+          <a:p>
+            <a:pPr marL="285750" indent="-285750">
+              <a:buFont typeface="Arial" panose="020B0604020202020204" pitchFamily="34" charset="0"/>
+              <a:buChar char="•"/>
+            </a:pPr>
+            <a:r>
+              <a:rPr lang="en-GB" dirty="0"/>
+              <a:t>For example, if "John Doe" has a Google contact and a WhatsApp contact, there will be two rows in </a:t>
+            </a:r>
+            <a:r>
+              <a:rPr lang="en-GB" dirty="0" err="1"/>
               <a:t>raw_contacts</a:t>
             </a:r>
             <a:r>
-              <a:rPr lang="en-US" sz="1800" i="1" dirty="0">
+              <a:rPr lang="en-GB" dirty="0"/>
+              <a:t>, but they might be merged into one entry in the </a:t>
+            </a:r>
+            <a:r>
+              <a:rPr lang="en-GB" dirty="0">
                 <a:solidFill>
                   <a:srgbClr val="7030A0"/>
                 </a:solidFill>
               </a:rPr>
-              <a:t> </a:t>
-            </a:r>
-            <a:r>
-              <a:rPr lang="en-US" dirty="0"/>
-              <a:t>table structure</a:t>
-            </a:r>
-            <a:endParaRPr lang="en-US" i="1" dirty="0">
-              <a:solidFill>
-                <a:srgbClr val="7030A0"/>
-              </a:solidFill>
-            </a:endParaRPr>
+              <a:t>contacts</a:t>
+            </a:r>
+            <a:r>
+              <a:rPr lang="en-GB" dirty="0"/>
+              <a:t> table.</a:t>
+            </a:r>
           </a:p>
         </p:txBody>
       </p:sp>
@@ -12370,7 +13696,7 @@
 </p:sld>
 </file>
 
-<file path=ppt/slides/slide12.xml><?xml version="1.0" encoding="utf-8"?>
+<file path=ppt/slides/slide14.xml><?xml version="1.0" encoding="utf-8"?>
 <p:sld xmlns:a="http://schemas.openxmlformats.org/drawingml/2006/main" xmlns:r="http://schemas.openxmlformats.org/officeDocument/2006/relationships" xmlns:p="http://schemas.openxmlformats.org/presentationml/2006/main">
   <p:cSld>
     <p:spTree>
@@ -12431,8 +13757,8 @@
         </p:nvSpPr>
         <p:spPr>
           <a:xfrm>
-            <a:off x="838200" y="5307496"/>
-            <a:ext cx="10295832" cy="369332"/>
+            <a:off x="447828" y="5416908"/>
+            <a:ext cx="9404094" cy="646331"/>
           </a:xfrm>
           <a:prstGeom prst="rect">
             <a:avLst/>
@@ -12440,14 +13766,14 @@
           <a:noFill/>
         </p:spPr>
         <p:txBody>
-          <a:bodyPr wrap="none" rtlCol="0">
+          <a:bodyPr wrap="square" rtlCol="0">
             <a:spAutoFit/>
           </a:bodyPr>
           <a:lstStyle/>
           <a:p>
             <a:r>
               <a:rPr lang="en-US" dirty="0"/>
-              <a:t>Notes: the table shows </a:t>
+              <a:t>Notes: The table shows </a:t>
             </a:r>
             <a:r>
               <a:rPr lang="en-US" dirty="0">
@@ -12459,7 +13785,7 @@
             </a:r>
             <a:r>
               <a:rPr lang="en-US" dirty="0"/>
-              <a:t> contact information used in </a:t>
+              <a:t> contact (aggregated) information used in </a:t>
             </a:r>
             <a:r>
               <a:rPr lang="en-US" dirty="0">
@@ -12467,7 +13793,7 @@
                   <a:srgbClr val="FF0000"/>
                 </a:solidFill>
               </a:rPr>
-              <a:t>10 </a:t>
+              <a:t>8 </a:t>
             </a:r>
             <a:r>
               <a:rPr lang="en-US" dirty="0"/>
@@ -12628,13 +13954,15 @@
               </a:ext>
             </a:extLst>
           </p:cNvPr>
-          <p:cNvCxnSpPr/>
+          <p:cNvCxnSpPr>
+            <a:cxnSpLocks/>
+          </p:cNvCxnSpPr>
           <p:nvPr/>
         </p:nvCxnSpPr>
         <p:spPr>
           <a:xfrm flipH="1" flipV="1">
             <a:off x="8477573" y="4060556"/>
-            <a:ext cx="263471" cy="1270861"/>
+            <a:ext cx="946646" cy="1447967"/>
           </a:xfrm>
           <a:prstGeom prst="straightConnector1">
             <a:avLst/>
@@ -12671,7 +13999,7 @@
 </p:sld>
 </file>
 
-<file path=ppt/slides/slide13.xml><?xml version="1.0" encoding="utf-8"?>
+<file path=ppt/slides/slide15.xml><?xml version="1.0" encoding="utf-8"?>
 <p:sld xmlns:a="http://schemas.openxmlformats.org/drawingml/2006/main" xmlns:r="http://schemas.openxmlformats.org/officeDocument/2006/relationships" xmlns:p="http://schemas.openxmlformats.org/presentationml/2006/main">
   <p:cSld>
     <p:spTree>
@@ -12773,7 +14101,7 @@
 </p:sld>
 </file>
 
-<file path=ppt/slides/slide14.xml><?xml version="1.0" encoding="utf-8"?>
+<file path=ppt/slides/slide16.xml><?xml version="1.0" encoding="utf-8"?>
 <p:sld xmlns:a="http://schemas.openxmlformats.org/drawingml/2006/main" xmlns:r="http://schemas.openxmlformats.org/officeDocument/2006/relationships" xmlns:p="http://schemas.openxmlformats.org/presentationml/2006/main">
   <p:cSld>
     <p:spTree>
@@ -13009,7 +14337,7 @@
 </p:sld>
 </file>
 
-<file path=ppt/slides/slide15.xml><?xml version="1.0" encoding="utf-8"?>
+<file path=ppt/slides/slide17.xml><?xml version="1.0" encoding="utf-8"?>
 <p:sld xmlns:a="http://schemas.openxmlformats.org/drawingml/2006/main" xmlns:r="http://schemas.openxmlformats.org/officeDocument/2006/relationships" xmlns:p="http://schemas.openxmlformats.org/presentationml/2006/main">
   <p:cSld>
     <p:spTree>
@@ -13026,6 +14354,60 @@
           <a:chExt cx="0" cy="0"/>
         </a:xfrm>
       </p:grpSpPr>
+      <p:sp>
+        <p:nvSpPr>
+          <p:cNvPr id="19" name="TextBox 18">
+            <a:extLst>
+              <a:ext uri="{FF2B5EF4-FFF2-40B4-BE49-F238E27FC236}">
+                <a16:creationId xmlns:a16="http://schemas.microsoft.com/office/drawing/2014/main" id="{76B30044-675D-45EB-A271-551AE6720E7F}"/>
+              </a:ext>
+            </a:extLst>
+          </p:cNvPr>
+          <p:cNvSpPr txBox="1"/>
+          <p:nvPr/>
+        </p:nvSpPr>
+        <p:spPr>
+          <a:xfrm>
+            <a:off x="220278" y="2025830"/>
+            <a:ext cx="2716128" cy="369332"/>
+          </a:xfrm>
+          <a:prstGeom prst="rect">
+            <a:avLst/>
+          </a:prstGeom>
+          <a:solidFill>
+            <a:schemeClr val="accent4"/>
+          </a:solidFill>
+        </p:spPr>
+        <p:txBody>
+          <a:bodyPr wrap="none" rtlCol="0">
+            <a:spAutoFit/>
+          </a:bodyPr>
+          <a:lstStyle/>
+          <a:p>
+            <a:r>
+              <a:rPr lang="en-US" dirty="0"/>
+              <a:t>Show content of </a:t>
+            </a:r>
+            <a:r>
+              <a:rPr lang="en-US" i="1" dirty="0">
+                <a:solidFill>
+                  <a:srgbClr val="7030A0"/>
+                </a:solidFill>
+              </a:rPr>
+              <a:t>data</a:t>
+            </a:r>
+            <a:r>
+              <a:rPr lang="en-US" dirty="0"/>
+              <a:t> table</a:t>
+            </a:r>
+            <a:endParaRPr lang="en-US" i="1" dirty="0">
+              <a:solidFill>
+                <a:srgbClr val="7030A0"/>
+              </a:solidFill>
+            </a:endParaRPr>
+          </a:p>
+        </p:txBody>
+      </p:sp>
       <p:pic>
         <p:nvPicPr>
           <p:cNvPr id="5" name="Picture 4" descr="A screenshot of a computer&#10;&#10;Description automatically generated with medium confidence">
@@ -13333,60 +14715,6 @@
           </a:fontRef>
         </p:style>
       </p:cxnSp>
-      <p:sp>
-        <p:nvSpPr>
-          <p:cNvPr id="19" name="TextBox 18">
-            <a:extLst>
-              <a:ext uri="{FF2B5EF4-FFF2-40B4-BE49-F238E27FC236}">
-                <a16:creationId xmlns:a16="http://schemas.microsoft.com/office/drawing/2014/main" id="{76B30044-675D-45EB-A271-551AE6720E7F}"/>
-              </a:ext>
-            </a:extLst>
-          </p:cNvPr>
-          <p:cNvSpPr txBox="1"/>
-          <p:nvPr/>
-        </p:nvSpPr>
-        <p:spPr>
-          <a:xfrm>
-            <a:off x="4750799" y="2066534"/>
-            <a:ext cx="2716128" cy="369332"/>
-          </a:xfrm>
-          <a:prstGeom prst="rect">
-            <a:avLst/>
-          </a:prstGeom>
-          <a:solidFill>
-            <a:schemeClr val="accent4"/>
-          </a:solidFill>
-        </p:spPr>
-        <p:txBody>
-          <a:bodyPr wrap="none" rtlCol="0">
-            <a:spAutoFit/>
-          </a:bodyPr>
-          <a:lstStyle/>
-          <a:p>
-            <a:r>
-              <a:rPr lang="en-US" dirty="0"/>
-              <a:t>Show content of </a:t>
-            </a:r>
-            <a:r>
-              <a:rPr lang="en-US" i="1" dirty="0">
-                <a:solidFill>
-                  <a:srgbClr val="7030A0"/>
-                </a:solidFill>
-              </a:rPr>
-              <a:t>data</a:t>
-            </a:r>
-            <a:r>
-              <a:rPr lang="en-US" dirty="0"/>
-              <a:t> table</a:t>
-            </a:r>
-            <a:endParaRPr lang="en-US" i="1" dirty="0">
-              <a:solidFill>
-                <a:srgbClr val="7030A0"/>
-              </a:solidFill>
-            </a:endParaRPr>
-          </a:p>
-        </p:txBody>
-      </p:sp>
     </p:spTree>
     <p:extLst>
       <p:ext uri="{BB962C8B-B14F-4D97-AF65-F5344CB8AC3E}">
@@ -13400,7 +14728,7 @@
 </p:sld>
 </file>
 
-<file path=ppt/slides/slide16.xml><?xml version="1.0" encoding="utf-8"?>
+<file path=ppt/slides/slide18.xml><?xml version="1.0" encoding="utf-8"?>
 <p:sld xmlns:a="http://schemas.openxmlformats.org/drawingml/2006/main" xmlns:r="http://schemas.openxmlformats.org/officeDocument/2006/relationships" xmlns:p="http://schemas.openxmlformats.org/presentationml/2006/main">
   <p:cSld>
     <p:spTree>
@@ -14012,7 +15340,7 @@
 </p:sld>
 </file>
 
-<file path=ppt/slides/slide17.xml><?xml version="1.0" encoding="utf-8"?>
+<file path=ppt/slides/slide19.xml><?xml version="1.0" encoding="utf-8"?>
 <p:sld xmlns:a="http://schemas.openxmlformats.org/drawingml/2006/main" xmlns:r="http://schemas.openxmlformats.org/officeDocument/2006/relationships" xmlns:p="http://schemas.openxmlformats.org/presentationml/2006/main">
   <p:cSld>
     <p:spTree>
@@ -14240,7 +15568,150 @@
 </p:sld>
 </file>
 
-<file path=ppt/slides/slide18.xml><?xml version="1.0" encoding="utf-8"?>
+<file path=ppt/slides/slide2.xml><?xml version="1.0" encoding="utf-8"?>
+<p:sld xmlns:a="http://schemas.openxmlformats.org/drawingml/2006/main" xmlns:r="http://schemas.openxmlformats.org/officeDocument/2006/relationships" xmlns:p="http://schemas.openxmlformats.org/presentationml/2006/main">
+  <p:cSld>
+    <p:spTree>
+      <p:nvGrpSpPr>
+        <p:cNvPr id="1" name=""/>
+        <p:cNvGrpSpPr/>
+        <p:nvPr/>
+      </p:nvGrpSpPr>
+      <p:grpSpPr>
+        <a:xfrm>
+          <a:off x="0" y="0"/>
+          <a:ext cx="0" cy="0"/>
+          <a:chOff x="0" y="0"/>
+          <a:chExt cx="0" cy="0"/>
+        </a:xfrm>
+      </p:grpSpPr>
+      <p:sp>
+        <p:nvSpPr>
+          <p:cNvPr id="4" name="Title 3">
+            <a:extLst>
+              <a:ext uri="{FF2B5EF4-FFF2-40B4-BE49-F238E27FC236}">
+                <a16:creationId xmlns:a16="http://schemas.microsoft.com/office/drawing/2014/main" id="{B2E3474A-25B2-47D1-9FAD-6319B5261AB8}"/>
+              </a:ext>
+            </a:extLst>
+          </p:cNvPr>
+          <p:cNvSpPr>
+            <a:spLocks noGrp="1"/>
+          </p:cNvSpPr>
+          <p:nvPr>
+            <p:ph type="title"/>
+          </p:nvPr>
+        </p:nvSpPr>
+        <p:spPr/>
+        <p:txBody>
+          <a:bodyPr/>
+          <a:lstStyle/>
+          <a:p>
+            <a:r>
+              <a:rPr lang="en-US" dirty="0"/>
+              <a:t>Overview</a:t>
+            </a:r>
+          </a:p>
+        </p:txBody>
+      </p:sp>
+      <p:sp>
+        <p:nvSpPr>
+          <p:cNvPr id="5" name="Content Placeholder 4">
+            <a:extLst>
+              <a:ext uri="{FF2B5EF4-FFF2-40B4-BE49-F238E27FC236}">
+                <a16:creationId xmlns:a16="http://schemas.microsoft.com/office/drawing/2014/main" id="{3BF24997-F832-407D-8515-E8D4DD2D0AAA}"/>
+              </a:ext>
+            </a:extLst>
+          </p:cNvPr>
+          <p:cNvSpPr>
+            <a:spLocks noGrp="1"/>
+          </p:cNvSpPr>
+          <p:nvPr>
+            <p:ph idx="1"/>
+          </p:nvPr>
+        </p:nvSpPr>
+        <p:spPr/>
+        <p:txBody>
+          <a:bodyPr/>
+          <a:lstStyle/>
+          <a:p>
+            <a:r>
+              <a:rPr lang="en-US" dirty="0"/>
+              <a:t>Background</a:t>
+            </a:r>
+          </a:p>
+          <a:p>
+            <a:r>
+              <a:rPr lang="en-US" dirty="0"/>
+              <a:t>Investigating </a:t>
+            </a:r>
+            <a:r>
+              <a:rPr lang="en-US" dirty="0">
+                <a:solidFill>
+                  <a:srgbClr val="7030A0"/>
+                </a:solidFill>
+                <a:cs typeface="Calibri"/>
+              </a:rPr>
+              <a:t>Contacts</a:t>
+            </a:r>
+            <a:r>
+              <a:rPr lang="en-US" dirty="0"/>
+              <a:t> information</a:t>
+            </a:r>
+          </a:p>
+          <a:p>
+            <a:r>
+              <a:rPr lang="en-US" dirty="0"/>
+              <a:t>Investigating </a:t>
+            </a:r>
+            <a:r>
+              <a:rPr lang="en-US" dirty="0">
+                <a:solidFill>
+                  <a:srgbClr val="7030A0"/>
+                </a:solidFill>
+                <a:cs typeface="Calibri"/>
+              </a:rPr>
+              <a:t>Call logs </a:t>
+            </a:r>
+            <a:r>
+              <a:rPr lang="en-US" dirty="0"/>
+              <a:t>information</a:t>
+            </a:r>
+          </a:p>
+          <a:p>
+            <a:r>
+              <a:rPr lang="en-US" dirty="0"/>
+              <a:t>Investigating </a:t>
+            </a:r>
+            <a:r>
+              <a:rPr lang="en-US" dirty="0">
+                <a:solidFill>
+                  <a:srgbClr val="7030A0"/>
+                </a:solidFill>
+                <a:cs typeface="Calibri"/>
+              </a:rPr>
+              <a:t>Voicemails (part of call logs)</a:t>
+            </a:r>
+            <a:endParaRPr lang="en-US" dirty="0"/>
+          </a:p>
+          <a:p>
+            <a:endParaRPr lang="en-US" dirty="0"/>
+          </a:p>
+        </p:txBody>
+      </p:sp>
+    </p:spTree>
+    <p:extLst>
+      <p:ext uri="{BB962C8B-B14F-4D97-AF65-F5344CB8AC3E}">
+        <p14:creationId xmlns:p14="http://schemas.microsoft.com/office/powerpoint/2010/main" val="1809719013"/>
+      </p:ext>
+    </p:extLst>
+  </p:cSld>
+  <p:clrMapOvr>
+    <a:masterClrMapping/>
+  </p:clrMapOvr>
+</p:sld>
+</file>
+
+<file path=ppt/slides/slide20.xml><?xml version="1.0" encoding="utf-8"?>
 <p:sld xmlns:a="http://schemas.openxmlformats.org/drawingml/2006/main" xmlns:r="http://schemas.openxmlformats.org/officeDocument/2006/relationships" xmlns:p="http://schemas.openxmlformats.org/presentationml/2006/main">
   <p:cSld>
     <p:spTree>
@@ -14714,7 +16185,7 @@
 </p:sld>
 </file>
 
-<file path=ppt/slides/slide19.xml><?xml version="1.0" encoding="utf-8"?>
+<file path=ppt/slides/slide21.xml><?xml version="1.0" encoding="utf-8"?>
 <p:sld xmlns:a="http://schemas.openxmlformats.org/drawingml/2006/main" xmlns:r="http://schemas.openxmlformats.org/officeDocument/2006/relationships" xmlns:p="http://schemas.openxmlformats.org/presentationml/2006/main">
   <p:cSld>
     <p:spTree>
@@ -14875,150 +16346,7 @@
 </p:sld>
 </file>
 
-<file path=ppt/slides/slide2.xml><?xml version="1.0" encoding="utf-8"?>
-<p:sld xmlns:a="http://schemas.openxmlformats.org/drawingml/2006/main" xmlns:r="http://schemas.openxmlformats.org/officeDocument/2006/relationships" xmlns:p="http://schemas.openxmlformats.org/presentationml/2006/main">
-  <p:cSld>
-    <p:spTree>
-      <p:nvGrpSpPr>
-        <p:cNvPr id="1" name=""/>
-        <p:cNvGrpSpPr/>
-        <p:nvPr/>
-      </p:nvGrpSpPr>
-      <p:grpSpPr>
-        <a:xfrm>
-          <a:off x="0" y="0"/>
-          <a:ext cx="0" cy="0"/>
-          <a:chOff x="0" y="0"/>
-          <a:chExt cx="0" cy="0"/>
-        </a:xfrm>
-      </p:grpSpPr>
-      <p:sp>
-        <p:nvSpPr>
-          <p:cNvPr id="4" name="Title 3">
-            <a:extLst>
-              <a:ext uri="{FF2B5EF4-FFF2-40B4-BE49-F238E27FC236}">
-                <a16:creationId xmlns:a16="http://schemas.microsoft.com/office/drawing/2014/main" id="{B2E3474A-25B2-47D1-9FAD-6319B5261AB8}"/>
-              </a:ext>
-            </a:extLst>
-          </p:cNvPr>
-          <p:cNvSpPr>
-            <a:spLocks noGrp="1"/>
-          </p:cNvSpPr>
-          <p:nvPr>
-            <p:ph type="title"/>
-          </p:nvPr>
-        </p:nvSpPr>
-        <p:spPr/>
-        <p:txBody>
-          <a:bodyPr/>
-          <a:lstStyle/>
-          <a:p>
-            <a:r>
-              <a:rPr lang="en-US" dirty="0"/>
-              <a:t>Overview</a:t>
-            </a:r>
-          </a:p>
-        </p:txBody>
-      </p:sp>
-      <p:sp>
-        <p:nvSpPr>
-          <p:cNvPr id="5" name="Content Placeholder 4">
-            <a:extLst>
-              <a:ext uri="{FF2B5EF4-FFF2-40B4-BE49-F238E27FC236}">
-                <a16:creationId xmlns:a16="http://schemas.microsoft.com/office/drawing/2014/main" id="{3BF24997-F832-407D-8515-E8D4DD2D0AAA}"/>
-              </a:ext>
-            </a:extLst>
-          </p:cNvPr>
-          <p:cNvSpPr>
-            <a:spLocks noGrp="1"/>
-          </p:cNvSpPr>
-          <p:nvPr>
-            <p:ph idx="1"/>
-          </p:nvPr>
-        </p:nvSpPr>
-        <p:spPr/>
-        <p:txBody>
-          <a:bodyPr/>
-          <a:lstStyle/>
-          <a:p>
-            <a:r>
-              <a:rPr lang="en-US" dirty="0"/>
-              <a:t>Background</a:t>
-            </a:r>
-          </a:p>
-          <a:p>
-            <a:r>
-              <a:rPr lang="en-US" dirty="0"/>
-              <a:t>Investigating </a:t>
-            </a:r>
-            <a:r>
-              <a:rPr lang="en-US" dirty="0">
-                <a:solidFill>
-                  <a:srgbClr val="7030A0"/>
-                </a:solidFill>
-                <a:cs typeface="Calibri"/>
-              </a:rPr>
-              <a:t>Contacts</a:t>
-            </a:r>
-            <a:r>
-              <a:rPr lang="en-US" dirty="0"/>
-              <a:t> information</a:t>
-            </a:r>
-          </a:p>
-          <a:p>
-            <a:r>
-              <a:rPr lang="en-US" dirty="0"/>
-              <a:t>Investigating </a:t>
-            </a:r>
-            <a:r>
-              <a:rPr lang="en-US" dirty="0">
-                <a:solidFill>
-                  <a:srgbClr val="7030A0"/>
-                </a:solidFill>
-                <a:cs typeface="Calibri"/>
-              </a:rPr>
-              <a:t>Call logs </a:t>
-            </a:r>
-            <a:r>
-              <a:rPr lang="en-US" dirty="0"/>
-              <a:t>information</a:t>
-            </a:r>
-          </a:p>
-          <a:p>
-            <a:r>
-              <a:rPr lang="en-US" dirty="0"/>
-              <a:t>Investigating </a:t>
-            </a:r>
-            <a:r>
-              <a:rPr lang="en-US" dirty="0">
-                <a:solidFill>
-                  <a:srgbClr val="7030A0"/>
-                </a:solidFill>
-                <a:cs typeface="Calibri"/>
-              </a:rPr>
-              <a:t>Voicemails (part of call logs)</a:t>
-            </a:r>
-            <a:endParaRPr lang="en-US" dirty="0"/>
-          </a:p>
-          <a:p>
-            <a:endParaRPr lang="en-US" dirty="0"/>
-          </a:p>
-        </p:txBody>
-      </p:sp>
-    </p:spTree>
-    <p:extLst>
-      <p:ext uri="{BB962C8B-B14F-4D97-AF65-F5344CB8AC3E}">
-        <p14:creationId xmlns:p14="http://schemas.microsoft.com/office/powerpoint/2010/main" val="1809719013"/>
-      </p:ext>
-    </p:extLst>
-  </p:cSld>
-  <p:clrMapOvr>
-    <a:masterClrMapping/>
-  </p:clrMapOvr>
-</p:sld>
-</file>
-
-<file path=ppt/slides/slide20.xml><?xml version="1.0" encoding="utf-8"?>
+<file path=ppt/slides/slide22.xml><?xml version="1.0" encoding="utf-8"?>
 <p:sld xmlns:a="http://schemas.openxmlformats.org/drawingml/2006/main" xmlns:r="http://schemas.openxmlformats.org/officeDocument/2006/relationships" xmlns:p="http://schemas.openxmlformats.org/presentationml/2006/main">
   <p:cSld>
     <p:spTree>
@@ -15271,7 +16599,7 @@
 </p:sld>
 </file>
 
-<file path=ppt/slides/slide21.xml><?xml version="1.0" encoding="utf-8"?>
+<file path=ppt/slides/slide23.xml><?xml version="1.0" encoding="utf-8"?>
 <p:sld xmlns:a="http://schemas.openxmlformats.org/drawingml/2006/main" xmlns:r="http://schemas.openxmlformats.org/officeDocument/2006/relationships" xmlns:p="http://schemas.openxmlformats.org/presentationml/2006/main">
   <p:cSld>
     <p:spTree>
@@ -15554,7 +16882,7 @@
 </p:sld>
 </file>
 
-<file path=ppt/slides/slide22.xml><?xml version="1.0" encoding="utf-8"?>
+<file path=ppt/slides/slide24.xml><?xml version="1.0" encoding="utf-8"?>
 <p:sld xmlns:a="http://schemas.openxmlformats.org/drawingml/2006/main" xmlns:r="http://schemas.openxmlformats.org/officeDocument/2006/relationships" xmlns:p="http://schemas.openxmlformats.org/presentationml/2006/main">
   <p:cSld>
     <p:spTree>
@@ -15739,7 +17067,7 @@
 </p:sld>
 </file>
 
-<file path=ppt/slides/slide23.xml><?xml version="1.0" encoding="utf-8"?>
+<file path=ppt/slides/slide25.xml><?xml version="1.0" encoding="utf-8"?>
 <p:sld xmlns:a="http://schemas.openxmlformats.org/drawingml/2006/main" xmlns:r="http://schemas.openxmlformats.org/officeDocument/2006/relationships" xmlns:p="http://schemas.openxmlformats.org/presentationml/2006/main">
   <p:cSld>
     <p:spTree>
@@ -15822,7 +17150,7 @@
 </p:sld>
 </file>
 
-<file path=ppt/slides/slide24.xml><?xml version="1.0" encoding="utf-8"?>
+<file path=ppt/slides/slide26.xml><?xml version="1.0" encoding="utf-8"?>
 <p:sld xmlns:a="http://schemas.openxmlformats.org/drawingml/2006/main" xmlns:r="http://schemas.openxmlformats.org/officeDocument/2006/relationships" xmlns:p="http://schemas.openxmlformats.org/presentationml/2006/main">
   <p:cSld>
     <p:spTree>
@@ -15974,7 +17302,7 @@
 </p:sld>
 </file>
 
-<file path=ppt/slides/slide25.xml><?xml version="1.0" encoding="utf-8"?>
+<file path=ppt/slides/slide27.xml><?xml version="1.0" encoding="utf-8"?>
 <p:sld xmlns:a="http://schemas.openxmlformats.org/drawingml/2006/main" xmlns:r="http://schemas.openxmlformats.org/officeDocument/2006/relationships" xmlns:p="http://schemas.openxmlformats.org/presentationml/2006/main">
   <p:cSld>
     <p:spTree>
@@ -16269,7 +17597,7 @@
 </p:sld>
 </file>
 
-<file path=ppt/slides/slide26.xml><?xml version="1.0" encoding="utf-8"?>
+<file path=ppt/slides/slide28.xml><?xml version="1.0" encoding="utf-8"?>
 <p:sld xmlns:a="http://schemas.openxmlformats.org/drawingml/2006/main" xmlns:r="http://schemas.openxmlformats.org/officeDocument/2006/relationships" xmlns:p="http://schemas.openxmlformats.org/presentationml/2006/main">
   <p:cSld>
     <p:spTree>
@@ -16703,7 +18031,7 @@
 </p:sld>
 </file>
 
-<file path=ppt/slides/slide27.xml><?xml version="1.0" encoding="utf-8"?>
+<file path=ppt/slides/slide29.xml><?xml version="1.0" encoding="utf-8"?>
 <p:sld xmlns:a="http://schemas.openxmlformats.org/drawingml/2006/main" xmlns:r="http://schemas.openxmlformats.org/officeDocument/2006/relationships" xmlns:p="http://schemas.openxmlformats.org/presentationml/2006/main">
   <p:cSld>
     <p:spTree>
@@ -17616,7 +18944,234 @@
 </p:sld>
 </file>
 
-<file path=ppt/slides/slide28.xml><?xml version="1.0" encoding="utf-8"?>
+<file path=ppt/slides/slide3.xml><?xml version="1.0" encoding="utf-8"?>
+<p:sld xmlns:a="http://schemas.openxmlformats.org/drawingml/2006/main" xmlns:r="http://schemas.openxmlformats.org/officeDocument/2006/relationships" xmlns:p="http://schemas.openxmlformats.org/presentationml/2006/main">
+  <p:cSld>
+    <p:spTree>
+      <p:nvGrpSpPr>
+        <p:cNvPr id="1" name=""/>
+        <p:cNvGrpSpPr/>
+        <p:nvPr/>
+      </p:nvGrpSpPr>
+      <p:grpSpPr>
+        <a:xfrm>
+          <a:off x="0" y="0"/>
+          <a:ext cx="0" cy="0"/>
+          <a:chOff x="0" y="0"/>
+          <a:chExt cx="0" cy="0"/>
+        </a:xfrm>
+      </p:grpSpPr>
+      <p:sp>
+        <p:nvSpPr>
+          <p:cNvPr id="2" name="Title 1">
+            <a:extLst>
+              <a:ext uri="{FF2B5EF4-FFF2-40B4-BE49-F238E27FC236}">
+                <a16:creationId xmlns:a16="http://schemas.microsoft.com/office/drawing/2014/main" id="{0139D975-7456-4595-B1F8-E2A3C1366F1E}"/>
+              </a:ext>
+            </a:extLst>
+          </p:cNvPr>
+          <p:cNvSpPr>
+            <a:spLocks noGrp="1"/>
+          </p:cNvSpPr>
+          <p:nvPr>
+            <p:ph type="title"/>
+          </p:nvPr>
+        </p:nvSpPr>
+        <p:spPr/>
+        <p:txBody>
+          <a:bodyPr/>
+          <a:lstStyle/>
+          <a:p>
+            <a:r>
+              <a:rPr lang="en-US" dirty="0">
+                <a:cs typeface="Calibri Light"/>
+              </a:rPr>
+              <a:t>What is contacts management service?</a:t>
+            </a:r>
+            <a:endParaRPr lang="en-US" dirty="0"/>
+          </a:p>
+        </p:txBody>
+      </p:sp>
+      <p:sp>
+        <p:nvSpPr>
+          <p:cNvPr id="3" name="Content Placeholder 2">
+            <a:extLst>
+              <a:ext uri="{FF2B5EF4-FFF2-40B4-BE49-F238E27FC236}">
+                <a16:creationId xmlns:a16="http://schemas.microsoft.com/office/drawing/2014/main" id="{6297DEE8-5EE2-40FC-A721-E542FC1E3A2C}"/>
+              </a:ext>
+            </a:extLst>
+          </p:cNvPr>
+          <p:cNvSpPr>
+            <a:spLocks noGrp="1"/>
+          </p:cNvSpPr>
+          <p:nvPr>
+            <p:ph idx="1"/>
+          </p:nvPr>
+        </p:nvSpPr>
+        <p:spPr>
+          <a:xfrm>
+            <a:off x="838200" y="1825625"/>
+            <a:ext cx="10015330" cy="4040893"/>
+          </a:xfrm>
+        </p:spPr>
+        <p:txBody>
+          <a:bodyPr vert="horz" lIns="91440" tIns="45720" rIns="91440" bIns="45720" rtlCol="0" anchor="t">
+            <a:normAutofit fontScale="85000" lnSpcReduction="20000"/>
+          </a:bodyPr>
+          <a:lstStyle/>
+          <a:p>
+            <a:r>
+              <a:rPr lang="en-GB" dirty="0">
+                <a:cs typeface="Calibri"/>
+              </a:rPr>
+              <a:t>Keep your contacts organized and up to date</a:t>
+            </a:r>
+          </a:p>
+          <a:p>
+            <a:pPr lvl="1"/>
+            <a:r>
+              <a:rPr lang="en-GB" dirty="0">
+                <a:cs typeface="Calibri"/>
+              </a:rPr>
+              <a:t>View your contacts by account (e.g., work vs. personal)</a:t>
+            </a:r>
+          </a:p>
+          <a:p>
+            <a:pPr lvl="1"/>
+            <a:r>
+              <a:rPr lang="en-GB" dirty="0">
+                <a:cs typeface="Calibri"/>
+              </a:rPr>
+              <a:t>Easily add contacts and edit information like phone numbers, emails, and photos</a:t>
+            </a:r>
+          </a:p>
+          <a:p>
+            <a:pPr lvl="1"/>
+            <a:r>
+              <a:rPr lang="en-GB" dirty="0">
+                <a:cs typeface="Calibri"/>
+              </a:rPr>
+              <a:t>Get suggestions for adding new contacts, merging duplicates, and more</a:t>
+            </a:r>
+          </a:p>
+          <a:p>
+            <a:r>
+              <a:rPr lang="en-GB" dirty="0">
+                <a:cs typeface="Calibri"/>
+              </a:rPr>
+              <a:t>Back up your contacts and sync them across all your devices</a:t>
+            </a:r>
+          </a:p>
+          <a:p>
+            <a:pPr lvl="1"/>
+            <a:r>
+              <a:rPr lang="en-GB" dirty="0">
+                <a:cs typeface="Calibri"/>
+              </a:rPr>
+              <a:t>Safely back up the contacts in your Google Account to the cloud</a:t>
+            </a:r>
+          </a:p>
+          <a:p>
+            <a:pPr lvl="1"/>
+            <a:r>
+              <a:rPr lang="en-GB" dirty="0">
+                <a:cs typeface="Calibri"/>
+              </a:rPr>
+              <a:t>Access the contacts in your Google Account from any device</a:t>
+            </a:r>
+          </a:p>
+          <a:p>
+            <a:r>
+              <a:rPr lang="en-US" dirty="0">
+                <a:cs typeface="Calibri"/>
+              </a:rPr>
+              <a:t>Record calling logs</a:t>
+            </a:r>
+          </a:p>
+          <a:p>
+            <a:r>
+              <a:rPr lang="en-GB" dirty="0">
+                <a:cs typeface="Calibri"/>
+              </a:rPr>
+              <a:t>Provides content providers which the third-party app can use to manipulate android contacts, </a:t>
+            </a:r>
+            <a:endParaRPr lang="en-US" dirty="0">
+              <a:cs typeface="Calibri"/>
+            </a:endParaRPr>
+          </a:p>
+          <a:p>
+            <a:r>
+              <a:rPr lang="en-US" dirty="0">
+                <a:cs typeface="Calibri"/>
+              </a:rPr>
+              <a:t>Evidence types</a:t>
+            </a:r>
+          </a:p>
+          <a:p>
+            <a:pPr lvl="1"/>
+            <a:r>
+              <a:rPr lang="en-US" dirty="0">
+                <a:cs typeface="Calibri"/>
+              </a:rPr>
+              <a:t>Contact info, groups, call logs, voicemails</a:t>
+            </a:r>
+          </a:p>
+        </p:txBody>
+      </p:sp>
+      <p:pic>
+        <p:nvPicPr>
+          <p:cNvPr id="5" name="Picture 5" descr="Graphical user interface, application&#10;&#10;Description automatically generated">
+            <a:extLst>
+              <a:ext uri="{FF2B5EF4-FFF2-40B4-BE49-F238E27FC236}">
+                <a16:creationId xmlns:a16="http://schemas.microsoft.com/office/drawing/2014/main" id="{FBA04D8C-3A3D-4E85-A378-DB46B5ED4A82}"/>
+              </a:ext>
+            </a:extLst>
+          </p:cNvPr>
+          <p:cNvPicPr>
+            <a:picLocks noChangeAspect="1"/>
+          </p:cNvPicPr>
+          <p:nvPr/>
+        </p:nvPicPr>
+        <p:blipFill>
+          <a:blip r:embed="rId2"/>
+          <a:stretch>
+            <a:fillRect/>
+          </a:stretch>
+        </p:blipFill>
+        <p:spPr>
+          <a:xfrm>
+            <a:off x="9949815" y="63611"/>
+            <a:ext cx="2163317" cy="1460390"/>
+          </a:xfrm>
+          <a:prstGeom prst="rect">
+            <a:avLst/>
+          </a:prstGeom>
+          <a:ln>
+            <a:noFill/>
+          </a:ln>
+          <a:effectLst>
+            <a:outerShdw blurRad="292100" dist="139700" dir="2700000" algn="tl" rotWithShape="0">
+              <a:srgbClr val="333333">
+                <a:alpha val="65000"/>
+              </a:srgbClr>
+            </a:outerShdw>
+          </a:effectLst>
+        </p:spPr>
+      </p:pic>
+    </p:spTree>
+    <p:extLst>
+      <p:ext uri="{BB962C8B-B14F-4D97-AF65-F5344CB8AC3E}">
+        <p14:creationId xmlns:p14="http://schemas.microsoft.com/office/powerpoint/2010/main" val="1915093242"/>
+      </p:ext>
+    </p:extLst>
+  </p:cSld>
+  <p:clrMapOvr>
+    <a:masterClrMapping/>
+  </p:clrMapOvr>
+</p:sld>
+</file>
+
+<file path=ppt/slides/slide30.xml><?xml version="1.0" encoding="utf-8"?>
 <p:sld xmlns:a="http://schemas.openxmlformats.org/drawingml/2006/main" xmlns:r="http://schemas.openxmlformats.org/officeDocument/2006/relationships" xmlns:p="http://schemas.openxmlformats.org/presentationml/2006/main">
   <p:cSld>
     <p:spTree>
@@ -18325,7 +19880,7 @@
 </p:sld>
 </file>
 
-<file path=ppt/slides/slide29.xml><?xml version="1.0" encoding="utf-8"?>
+<file path=ppt/slides/slide31.xml><?xml version="1.0" encoding="utf-8"?>
 <p:sld xmlns:a="http://schemas.openxmlformats.org/drawingml/2006/main" xmlns:r="http://schemas.openxmlformats.org/officeDocument/2006/relationships" xmlns:p="http://schemas.openxmlformats.org/presentationml/2006/main">
   <p:cSld>
     <p:spTree>
@@ -18385,234 +19940,7 @@
 </p:sld>
 </file>
 
-<file path=ppt/slides/slide3.xml><?xml version="1.0" encoding="utf-8"?>
-<p:sld xmlns:a="http://schemas.openxmlformats.org/drawingml/2006/main" xmlns:r="http://schemas.openxmlformats.org/officeDocument/2006/relationships" xmlns:p="http://schemas.openxmlformats.org/presentationml/2006/main">
-  <p:cSld>
-    <p:spTree>
-      <p:nvGrpSpPr>
-        <p:cNvPr id="1" name=""/>
-        <p:cNvGrpSpPr/>
-        <p:nvPr/>
-      </p:nvGrpSpPr>
-      <p:grpSpPr>
-        <a:xfrm>
-          <a:off x="0" y="0"/>
-          <a:ext cx="0" cy="0"/>
-          <a:chOff x="0" y="0"/>
-          <a:chExt cx="0" cy="0"/>
-        </a:xfrm>
-      </p:grpSpPr>
-      <p:sp>
-        <p:nvSpPr>
-          <p:cNvPr id="2" name="Title 1">
-            <a:extLst>
-              <a:ext uri="{FF2B5EF4-FFF2-40B4-BE49-F238E27FC236}">
-                <a16:creationId xmlns:a16="http://schemas.microsoft.com/office/drawing/2014/main" id="{0139D975-7456-4595-B1F8-E2A3C1366F1E}"/>
-              </a:ext>
-            </a:extLst>
-          </p:cNvPr>
-          <p:cNvSpPr>
-            <a:spLocks noGrp="1"/>
-          </p:cNvSpPr>
-          <p:nvPr>
-            <p:ph type="title"/>
-          </p:nvPr>
-        </p:nvSpPr>
-        <p:spPr/>
-        <p:txBody>
-          <a:bodyPr/>
-          <a:lstStyle/>
-          <a:p>
-            <a:r>
-              <a:rPr lang="en-US" dirty="0">
-                <a:cs typeface="Calibri Light"/>
-              </a:rPr>
-              <a:t>What is contacts management service?</a:t>
-            </a:r>
-            <a:endParaRPr lang="en-US" dirty="0"/>
-          </a:p>
-        </p:txBody>
-      </p:sp>
-      <p:sp>
-        <p:nvSpPr>
-          <p:cNvPr id="3" name="Content Placeholder 2">
-            <a:extLst>
-              <a:ext uri="{FF2B5EF4-FFF2-40B4-BE49-F238E27FC236}">
-                <a16:creationId xmlns:a16="http://schemas.microsoft.com/office/drawing/2014/main" id="{6297DEE8-5EE2-40FC-A721-E542FC1E3A2C}"/>
-              </a:ext>
-            </a:extLst>
-          </p:cNvPr>
-          <p:cNvSpPr>
-            <a:spLocks noGrp="1"/>
-          </p:cNvSpPr>
-          <p:nvPr>
-            <p:ph idx="1"/>
-          </p:nvPr>
-        </p:nvSpPr>
-        <p:spPr>
-          <a:xfrm>
-            <a:off x="838200" y="1825625"/>
-            <a:ext cx="10015330" cy="4040893"/>
-          </a:xfrm>
-        </p:spPr>
-        <p:txBody>
-          <a:bodyPr vert="horz" lIns="91440" tIns="45720" rIns="91440" bIns="45720" rtlCol="0" anchor="t">
-            <a:normAutofit fontScale="85000" lnSpcReduction="20000"/>
-          </a:bodyPr>
-          <a:lstStyle/>
-          <a:p>
-            <a:r>
-              <a:rPr lang="en-GB" dirty="0">
-                <a:cs typeface="Calibri"/>
-              </a:rPr>
-              <a:t>Keep your contacts organized and up to date</a:t>
-            </a:r>
-          </a:p>
-          <a:p>
-            <a:pPr lvl="1"/>
-            <a:r>
-              <a:rPr lang="en-GB" dirty="0">
-                <a:cs typeface="Calibri"/>
-              </a:rPr>
-              <a:t>View your contacts by account (e.g., work vs. personal)</a:t>
-            </a:r>
-          </a:p>
-          <a:p>
-            <a:pPr lvl="1"/>
-            <a:r>
-              <a:rPr lang="en-GB" dirty="0">
-                <a:cs typeface="Calibri"/>
-              </a:rPr>
-              <a:t>Easily add contacts and edit information like phone numbers, emails, and photos</a:t>
-            </a:r>
-          </a:p>
-          <a:p>
-            <a:pPr lvl="1"/>
-            <a:r>
-              <a:rPr lang="en-GB" dirty="0">
-                <a:cs typeface="Calibri"/>
-              </a:rPr>
-              <a:t>Get suggestions for adding new contacts, merging duplicates, and more</a:t>
-            </a:r>
-          </a:p>
-          <a:p>
-            <a:r>
-              <a:rPr lang="en-GB" dirty="0">
-                <a:cs typeface="Calibri"/>
-              </a:rPr>
-              <a:t>Back up your contacts and sync them across all your devices</a:t>
-            </a:r>
-          </a:p>
-          <a:p>
-            <a:pPr lvl="1"/>
-            <a:r>
-              <a:rPr lang="en-GB" dirty="0">
-                <a:cs typeface="Calibri"/>
-              </a:rPr>
-              <a:t>Safely back up the contacts in your Google Account to the cloud</a:t>
-            </a:r>
-          </a:p>
-          <a:p>
-            <a:pPr lvl="1"/>
-            <a:r>
-              <a:rPr lang="en-GB" dirty="0">
-                <a:cs typeface="Calibri"/>
-              </a:rPr>
-              <a:t>Access the contacts in your Google Account from any device</a:t>
-            </a:r>
-          </a:p>
-          <a:p>
-            <a:r>
-              <a:rPr lang="en-US" dirty="0">
-                <a:cs typeface="Calibri"/>
-              </a:rPr>
-              <a:t>Record calling logs</a:t>
-            </a:r>
-          </a:p>
-          <a:p>
-            <a:r>
-              <a:rPr lang="en-GB" dirty="0">
-                <a:cs typeface="Calibri"/>
-              </a:rPr>
-              <a:t>Provides content providers which the third-party app can use to manipulate android contacts, </a:t>
-            </a:r>
-            <a:endParaRPr lang="en-US" dirty="0">
-              <a:cs typeface="Calibri"/>
-            </a:endParaRPr>
-          </a:p>
-          <a:p>
-            <a:r>
-              <a:rPr lang="en-US" dirty="0">
-                <a:cs typeface="Calibri"/>
-              </a:rPr>
-              <a:t>Evidence types</a:t>
-            </a:r>
-          </a:p>
-          <a:p>
-            <a:pPr lvl="1"/>
-            <a:r>
-              <a:rPr lang="en-US" dirty="0">
-                <a:cs typeface="Calibri"/>
-              </a:rPr>
-              <a:t>Contact info, groups, call logs, voicemails</a:t>
-            </a:r>
-          </a:p>
-        </p:txBody>
-      </p:sp>
-      <p:pic>
-        <p:nvPicPr>
-          <p:cNvPr id="5" name="Picture 5" descr="Graphical user interface, application&#10;&#10;Description automatically generated">
-            <a:extLst>
-              <a:ext uri="{FF2B5EF4-FFF2-40B4-BE49-F238E27FC236}">
-                <a16:creationId xmlns:a16="http://schemas.microsoft.com/office/drawing/2014/main" id="{FBA04D8C-3A3D-4E85-A378-DB46B5ED4A82}"/>
-              </a:ext>
-            </a:extLst>
-          </p:cNvPr>
-          <p:cNvPicPr>
-            <a:picLocks noChangeAspect="1"/>
-          </p:cNvPicPr>
-          <p:nvPr/>
-        </p:nvPicPr>
-        <p:blipFill>
-          <a:blip r:embed="rId2"/>
-          <a:stretch>
-            <a:fillRect/>
-          </a:stretch>
-        </p:blipFill>
-        <p:spPr>
-          <a:xfrm>
-            <a:off x="9949815" y="63611"/>
-            <a:ext cx="2163317" cy="1460390"/>
-          </a:xfrm>
-          <a:prstGeom prst="rect">
-            <a:avLst/>
-          </a:prstGeom>
-          <a:ln>
-            <a:noFill/>
-          </a:ln>
-          <a:effectLst>
-            <a:outerShdw blurRad="292100" dist="139700" dir="2700000" algn="tl" rotWithShape="0">
-              <a:srgbClr val="333333">
-                <a:alpha val="65000"/>
-              </a:srgbClr>
-            </a:outerShdw>
-          </a:effectLst>
-        </p:spPr>
-      </p:pic>
-    </p:spTree>
-    <p:extLst>
-      <p:ext uri="{BB962C8B-B14F-4D97-AF65-F5344CB8AC3E}">
-        <p14:creationId xmlns:p14="http://schemas.microsoft.com/office/powerpoint/2010/main" val="1915093242"/>
-      </p:ext>
-    </p:extLst>
-  </p:cSld>
-  <p:clrMapOvr>
-    <a:masterClrMapping/>
-  </p:clrMapOvr>
-</p:sld>
-</file>
-
-<file path=ppt/slides/slide30.xml><?xml version="1.0" encoding="utf-8"?>
+<file path=ppt/slides/slide32.xml><?xml version="1.0" encoding="utf-8"?>
 <p:sld xmlns:a="http://schemas.openxmlformats.org/drawingml/2006/main" xmlns:r="http://schemas.openxmlformats.org/officeDocument/2006/relationships" xmlns:p="http://schemas.openxmlformats.org/presentationml/2006/main">
   <p:cSld>
     <p:spTree>
@@ -18841,7 +20169,7 @@
 </p:sld>
 </file>
 
-<file path=ppt/slides/slide31.xml><?xml version="1.0" encoding="utf-8"?>
+<file path=ppt/slides/slide33.xml><?xml version="1.0" encoding="utf-8"?>
 <p:sld xmlns:a="http://schemas.openxmlformats.org/drawingml/2006/main" xmlns:r="http://schemas.openxmlformats.org/officeDocument/2006/relationships" xmlns:p="http://schemas.openxmlformats.org/presentationml/2006/main">
   <p:cSld>
     <p:spTree>
@@ -18925,7 +20253,7 @@
 </p:sld>
 </file>
 
-<file path=ppt/slides/slide32.xml><?xml version="1.0" encoding="utf-8"?>
+<file path=ppt/slides/slide34.xml><?xml version="1.0" encoding="utf-8"?>
 <p:sld xmlns:a="http://schemas.openxmlformats.org/drawingml/2006/main" xmlns:r="http://schemas.openxmlformats.org/officeDocument/2006/relationships" xmlns:p="http://schemas.openxmlformats.org/presentationml/2006/main">
   <p:cSld>
     <p:spTree>
@@ -19164,7 +20492,7 @@
 </p:sld>
 </file>
 
-<file path=ppt/slides/slide33.xml><?xml version="1.0" encoding="utf-8"?>
+<file path=ppt/slides/slide35.xml><?xml version="1.0" encoding="utf-8"?>
 <p:sld xmlns:a="http://schemas.openxmlformats.org/drawingml/2006/main" xmlns:r="http://schemas.openxmlformats.org/officeDocument/2006/relationships" xmlns:p="http://schemas.openxmlformats.org/presentationml/2006/main">
   <p:cSld>
     <p:spTree>
@@ -19435,7 +20763,7 @@
 </p:sld>
 </file>
 
-<file path=ppt/slides/slide34.xml><?xml version="1.0" encoding="utf-8"?>
+<file path=ppt/slides/slide36.xml><?xml version="1.0" encoding="utf-8"?>
 <p:sld xmlns:a="http://schemas.openxmlformats.org/drawingml/2006/main" xmlns:r="http://schemas.openxmlformats.org/officeDocument/2006/relationships" xmlns:p="http://schemas.openxmlformats.org/presentationml/2006/main">
   <p:cSld>
     <p:spTree>
